--- a/Presentations/Values.pptx
+++ b/Presentations/Values.pptx
@@ -5,22 +5,24 @@
     <p:sldMasterId id="2147483648" r:id="rId1"/>
   </p:sldMasterIdLst>
   <p:notesMasterIdLst>
-    <p:notesMasterId r:id="rId15"/>
+    <p:notesMasterId r:id="rId17"/>
   </p:notesMasterIdLst>
   <p:sldIdLst>
-    <p:sldId id="315" r:id="rId2"/>
-    <p:sldId id="331" r:id="rId3"/>
-    <p:sldId id="332" r:id="rId4"/>
-    <p:sldId id="333" r:id="rId5"/>
-    <p:sldId id="318" r:id="rId6"/>
-    <p:sldId id="319" r:id="rId7"/>
-    <p:sldId id="334" r:id="rId8"/>
-    <p:sldId id="335" r:id="rId9"/>
-    <p:sldId id="336" r:id="rId10"/>
-    <p:sldId id="339" r:id="rId11"/>
-    <p:sldId id="338" r:id="rId12"/>
-    <p:sldId id="337" r:id="rId13"/>
-    <p:sldId id="340" r:id="rId14"/>
+    <p:sldId id="341" r:id="rId2"/>
+    <p:sldId id="315" r:id="rId3"/>
+    <p:sldId id="331" r:id="rId4"/>
+    <p:sldId id="332" r:id="rId5"/>
+    <p:sldId id="333" r:id="rId6"/>
+    <p:sldId id="318" r:id="rId7"/>
+    <p:sldId id="319" r:id="rId8"/>
+    <p:sldId id="334" r:id="rId9"/>
+    <p:sldId id="335" r:id="rId10"/>
+    <p:sldId id="336" r:id="rId11"/>
+    <p:sldId id="339" r:id="rId12"/>
+    <p:sldId id="338" r:id="rId13"/>
+    <p:sldId id="337" r:id="rId14"/>
+    <p:sldId id="340" r:id="rId15"/>
+    <p:sldId id="342" r:id="rId16"/>
   </p:sldIdLst>
   <p:sldSz cx="12192000" cy="6858000"/>
   <p:notesSz cx="6858000" cy="9144000"/>
@@ -209,7 +211,7 @@
           <a:p>
             <a:fld id="{BE922CAB-3410-47F5-A79E-CF5894AF3626}" type="datetimeFigureOut">
               <a:rPr lang="pt-PT" smtClean="0"/>
-              <a:t>29/07/2020</a:t>
+              <a:t>30/07/2020</a:t>
             </a:fld>
             <a:endParaRPr lang="pt-PT"/>
           </a:p>
@@ -626,7 +628,7 @@
           <a:p>
             <a:fld id="{A18E2B5E-2BAC-408C-9D01-DD90C7E8DCBE}" type="datetimeFigureOut">
               <a:rPr lang="pt-PT" smtClean="0"/>
-              <a:t>29/07/2020</a:t>
+              <a:t>30/07/2020</a:t>
             </a:fld>
             <a:endParaRPr lang="pt-PT"/>
           </a:p>
@@ -838,7 +840,7 @@
           <a:p>
             <a:fld id="{A18E2B5E-2BAC-408C-9D01-DD90C7E8DCBE}" type="datetimeFigureOut">
               <a:rPr lang="pt-PT" smtClean="0"/>
-              <a:t>29/07/2020</a:t>
+              <a:t>30/07/2020</a:t>
             </a:fld>
             <a:endParaRPr lang="pt-PT"/>
           </a:p>
@@ -1060,7 +1062,7 @@
           <a:p>
             <a:fld id="{A18E2B5E-2BAC-408C-9D01-DD90C7E8DCBE}" type="datetimeFigureOut">
               <a:rPr lang="pt-PT" smtClean="0"/>
-              <a:t>29/07/2020</a:t>
+              <a:t>30/07/2020</a:t>
             </a:fld>
             <a:endParaRPr lang="pt-PT"/>
           </a:p>
@@ -1272,7 +1274,7 @@
           <a:p>
             <a:fld id="{A18E2B5E-2BAC-408C-9D01-DD90C7E8DCBE}" type="datetimeFigureOut">
               <a:rPr lang="pt-PT" smtClean="0"/>
-              <a:t>29/07/2020</a:t>
+              <a:t>30/07/2020</a:t>
             </a:fld>
             <a:endParaRPr lang="pt-PT"/>
           </a:p>
@@ -1560,7 +1562,7 @@
           <a:p>
             <a:fld id="{A18E2B5E-2BAC-408C-9D01-DD90C7E8DCBE}" type="datetimeFigureOut">
               <a:rPr lang="pt-PT" smtClean="0"/>
-              <a:t>29/07/2020</a:t>
+              <a:t>30/07/2020</a:t>
             </a:fld>
             <a:endParaRPr lang="pt-PT"/>
           </a:p>
@@ -1840,7 +1842,7 @@
           <a:p>
             <a:fld id="{A18E2B5E-2BAC-408C-9D01-DD90C7E8DCBE}" type="datetimeFigureOut">
               <a:rPr lang="pt-PT" smtClean="0"/>
-              <a:t>29/07/2020</a:t>
+              <a:t>30/07/2020</a:t>
             </a:fld>
             <a:endParaRPr lang="pt-PT"/>
           </a:p>
@@ -2267,7 +2269,7 @@
           <a:p>
             <a:fld id="{A18E2B5E-2BAC-408C-9D01-DD90C7E8DCBE}" type="datetimeFigureOut">
               <a:rPr lang="pt-PT" smtClean="0"/>
-              <a:t>29/07/2020</a:t>
+              <a:t>30/07/2020</a:t>
             </a:fld>
             <a:endParaRPr lang="pt-PT"/>
           </a:p>
@@ -2421,7 +2423,7 @@
           <a:p>
             <a:fld id="{A18E2B5E-2BAC-408C-9D01-DD90C7E8DCBE}" type="datetimeFigureOut">
               <a:rPr lang="pt-PT" smtClean="0"/>
-              <a:t>29/07/2020</a:t>
+              <a:t>30/07/2020</a:t>
             </a:fld>
             <a:endParaRPr lang="pt-PT"/>
           </a:p>
@@ -2546,7 +2548,7 @@
           <a:p>
             <a:fld id="{A18E2B5E-2BAC-408C-9D01-DD90C7E8DCBE}" type="datetimeFigureOut">
               <a:rPr lang="pt-PT" smtClean="0"/>
-              <a:t>29/07/2020</a:t>
+              <a:t>30/07/2020</a:t>
             </a:fld>
             <a:endParaRPr lang="pt-PT"/>
           </a:p>
@@ -2871,7 +2873,7 @@
           <a:p>
             <a:fld id="{A18E2B5E-2BAC-408C-9D01-DD90C7E8DCBE}" type="datetimeFigureOut">
               <a:rPr lang="pt-PT" smtClean="0"/>
-              <a:t>29/07/2020</a:t>
+              <a:t>30/07/2020</a:t>
             </a:fld>
             <a:endParaRPr lang="pt-PT"/>
           </a:p>
@@ -3172,7 +3174,7 @@
           <a:p>
             <a:fld id="{A18E2B5E-2BAC-408C-9D01-DD90C7E8DCBE}" type="datetimeFigureOut">
               <a:rPr lang="pt-PT" smtClean="0"/>
-              <a:t>29/07/2020</a:t>
+              <a:t>30/07/2020</a:t>
             </a:fld>
             <a:endParaRPr lang="pt-PT"/>
           </a:p>
@@ -3427,7 +3429,7 @@
           <a:p>
             <a:fld id="{A18E2B5E-2BAC-408C-9D01-DD90C7E8DCBE}" type="datetimeFigureOut">
               <a:rPr lang="pt-PT" smtClean="0"/>
-              <a:t>29/07/2020</a:t>
+              <a:t>30/07/2020</a:t>
             </a:fld>
             <a:endParaRPr lang="pt-PT"/>
           </a:p>
@@ -3856,12 +3858,108 @@
           <a:chExt cx="0" cy="0"/>
         </a:xfrm>
       </p:grpSpPr>
+    </p:spTree>
+    <p:extLst>
+      <p:ext uri="{BB962C8B-B14F-4D97-AF65-F5344CB8AC3E}">
+        <p14:creationId xmlns:p14="http://schemas.microsoft.com/office/powerpoint/2010/main" val="1260253238"/>
+      </p:ext>
+    </p:extLst>
+  </p:cSld>
+  <p:clrMapOvr>
+    <a:masterClrMapping/>
+  </p:clrMapOvr>
+  <mc:AlternateContent xmlns:mc="http://schemas.openxmlformats.org/markup-compatibility/2006" xmlns:p15="http://schemas.microsoft.com/office/powerpoint/2012/main">
+    <mc:Choice Requires="p15">
+      <p:transition xmlns:p14="http://schemas.microsoft.com/office/powerpoint/2010/main" spd="slow" p14:dur="1250">
+        <p15:prstTrans prst="peelOff"/>
+      </p:transition>
+    </mc:Choice>
+    <mc:Fallback xmlns="">
+      <p:transition spd="slow">
+        <p:fade/>
+      </p:transition>
+    </mc:Fallback>
+  </mc:AlternateContent>
+</p:sld>
+</file>
+
+<file path=ppt/slides/slide10.xml><?xml version="1.0" encoding="utf-8"?>
+<p:sld xmlns:a="http://schemas.openxmlformats.org/drawingml/2006/main" xmlns:r="http://schemas.openxmlformats.org/officeDocument/2006/relationships" xmlns:p="http://schemas.openxmlformats.org/presentationml/2006/main">
+  <p:cSld>
+    <p:spTree>
+      <p:nvGrpSpPr>
+        <p:cNvPr id="1" name=""/>
+        <p:cNvGrpSpPr/>
+        <p:nvPr/>
+      </p:nvGrpSpPr>
+      <p:grpSpPr>
+        <a:xfrm>
+          <a:off x="0" y="0"/>
+          <a:ext cx="0" cy="0"/>
+          <a:chOff x="0" y="0"/>
+          <a:chExt cx="0" cy="0"/>
+        </a:xfrm>
+      </p:grpSpPr>
+      <p:sp>
+        <p:nvSpPr>
+          <p:cNvPr id="19" name="Background">
+            <a:extLst>
+              <a:ext uri="{FF2B5EF4-FFF2-40B4-BE49-F238E27FC236}">
+                <a16:creationId xmlns:a16="http://schemas.microsoft.com/office/drawing/2014/main" id="{C4C47308-3366-47AD-95E9-BB384244FEE9}"/>
+              </a:ext>
+            </a:extLst>
+          </p:cNvPr>
+          <p:cNvSpPr/>
+          <p:nvPr/>
+        </p:nvSpPr>
+        <p:spPr>
+          <a:xfrm>
+            <a:off x="-590550" y="0"/>
+            <a:ext cx="13220700" cy="6858000"/>
+          </a:xfrm>
+          <a:prstGeom prst="rect">
+            <a:avLst/>
+          </a:prstGeom>
+          <a:solidFill>
+            <a:srgbClr val="5475B9"/>
+          </a:solidFill>
+          <a:ln>
+            <a:solidFill>
+              <a:srgbClr val="5475B9"/>
+            </a:solidFill>
+          </a:ln>
+        </p:spPr>
+        <p:style>
+          <a:lnRef idx="2">
+            <a:schemeClr val="accent1">
+              <a:shade val="50000"/>
+            </a:schemeClr>
+          </a:lnRef>
+          <a:fillRef idx="1">
+            <a:schemeClr val="accent1"/>
+          </a:fillRef>
+          <a:effectRef idx="0">
+            <a:schemeClr val="accent1"/>
+          </a:effectRef>
+          <a:fontRef idx="minor">
+            <a:schemeClr val="lt1"/>
+          </a:fontRef>
+        </p:style>
+        <p:txBody>
+          <a:bodyPr rtlCol="0" anchor="ctr"/>
+          <a:lstStyle/>
+          <a:p>
+            <a:pPr algn="ctr"/>
+            <a:endParaRPr lang="pt-PT"/>
+          </a:p>
+        </p:txBody>
+      </p:sp>
       <p:pic>
         <p:nvPicPr>
-          <p:cNvPr id="3" name="Graphic 2">
+          <p:cNvPr id="3" name="Pencil">
             <a:extLst>
               <a:ext uri="{FF2B5EF4-FFF2-40B4-BE49-F238E27FC236}">
-                <a16:creationId xmlns:a16="http://schemas.microsoft.com/office/drawing/2014/main" id="{854AD77C-F60A-4F35-9B50-7E94F2966CB8}"/>
+                <a16:creationId xmlns:a16="http://schemas.microsoft.com/office/drawing/2014/main" id="{A4F1A4CF-5ACD-48E9-9FE1-77A08DFCB1A9}"/>
               </a:ext>
             </a:extLst>
           </p:cNvPr>
@@ -3870,7 +3968,7 @@
           </p:cNvPicPr>
           <p:nvPr/>
         </p:nvPicPr>
-        <p:blipFill>
+        <p:blipFill rotWithShape="1">
           <a:blip r:embed="rId2">
             <a:extLst>
               <a:ext uri="{28A0092B-C50C-407E-A947-70E740481C1C}">
@@ -3881,102 +3979,30 @@
               </a:ext>
             </a:extLst>
           </a:blip>
-          <a:stretch>
-            <a:fillRect/>
-          </a:stretch>
+          <a:srcRect l="46409" t="8467" r="46558" b="43068"/>
+          <a:stretch/>
         </p:blipFill>
         <p:spPr>
-          <a:xfrm>
-            <a:off x="-965200" y="0"/>
-            <a:ext cx="14897099" cy="6858000"/>
+          <a:xfrm rot="18277755">
+            <a:off x="5347933" y="468759"/>
+            <a:ext cx="1343733" cy="6547122"/>
           </a:xfrm>
           <a:prstGeom prst="rect">
             <a:avLst/>
           </a:prstGeom>
-        </p:spPr>
-      </p:pic>
-      <p:pic>
-        <p:nvPicPr>
-          <p:cNvPr id="19" name="GuyHiker2">
-            <a:extLst>
-              <a:ext uri="{FF2B5EF4-FFF2-40B4-BE49-F238E27FC236}">
-                <a16:creationId xmlns:a16="http://schemas.microsoft.com/office/drawing/2014/main" id="{87CACA79-60AC-4F97-A19C-CA7DB2203A92}"/>
-              </a:ext>
-            </a:extLst>
-          </p:cNvPr>
-          <p:cNvPicPr>
-            <a:picLocks noChangeAspect="1"/>
-          </p:cNvPicPr>
-          <p:nvPr/>
-        </p:nvPicPr>
-        <p:blipFill>
-          <a:blip r:embed="rId4">
-            <a:extLst>
-              <a:ext uri="{28A0092B-C50C-407E-A947-70E740481C1C}">
-                <a14:useLocalDpi xmlns:a14="http://schemas.microsoft.com/office/drawing/2010/main" val="0"/>
-              </a:ext>
-              <a:ext uri="{96DAC541-7B7A-43D3-8B79-37D633B846F1}">
-                <asvg:svgBlip xmlns:asvg="http://schemas.microsoft.com/office/drawing/2016/SVG/main" r:embed="rId5"/>
-              </a:ext>
-            </a:extLst>
-          </a:blip>
-          <a:stretch>
-            <a:fillRect/>
-          </a:stretch>
-        </p:blipFill>
-        <p:spPr>
-          <a:xfrm>
-            <a:off x="7934220" y="4327422"/>
-            <a:ext cx="3148048" cy="2225778"/>
-          </a:xfrm>
-          <a:prstGeom prst="rect">
-            <a:avLst/>
-          </a:prstGeom>
-        </p:spPr>
-      </p:pic>
-      <p:pic>
-        <p:nvPicPr>
-          <p:cNvPr id="21" name="GuyHiker">
-            <a:extLst>
-              <a:ext uri="{FF2B5EF4-FFF2-40B4-BE49-F238E27FC236}">
-                <a16:creationId xmlns:a16="http://schemas.microsoft.com/office/drawing/2014/main" id="{849D3C90-54B9-4C35-B0F3-CE08DE679BE6}"/>
-              </a:ext>
-            </a:extLst>
-          </p:cNvPr>
-          <p:cNvPicPr>
-            <a:picLocks noChangeAspect="1"/>
-          </p:cNvPicPr>
-          <p:nvPr/>
-        </p:nvPicPr>
-        <p:blipFill>
-          <a:blip r:embed="rId6">
-            <a:extLst>
-              <a:ext uri="{28A0092B-C50C-407E-A947-70E740481C1C}">
-                <a14:useLocalDpi xmlns:a14="http://schemas.microsoft.com/office/drawing/2010/main" val="0"/>
-              </a:ext>
-              <a:ext uri="{96DAC541-7B7A-43D3-8B79-37D633B846F1}">
-                <asvg:svgBlip xmlns:asvg="http://schemas.microsoft.com/office/drawing/2016/SVG/main" r:embed="rId7"/>
-              </a:ext>
-            </a:extLst>
-          </a:blip>
-          <a:stretch>
-            <a:fillRect/>
-          </a:stretch>
-        </p:blipFill>
-        <p:spPr>
-          <a:xfrm>
-            <a:off x="7934220" y="4327422"/>
-            <a:ext cx="3148048" cy="2225778"/>
-          </a:xfrm>
-          <a:prstGeom prst="rect">
-            <a:avLst/>
-          </a:prstGeom>
+          <a:effectLst>
+            <a:outerShdw blurRad="63500" sx="102000" sy="102000" algn="ctr" rotWithShape="0">
+              <a:prstClr val="black">
+                <a:alpha val="40000"/>
+              </a:prstClr>
+            </a:outerShdw>
+          </a:effectLst>
         </p:spPr>
       </p:pic>
     </p:spTree>
     <p:extLst>
       <p:ext uri="{BB962C8B-B14F-4D97-AF65-F5344CB8AC3E}">
-        <p14:creationId xmlns:p14="http://schemas.microsoft.com/office/powerpoint/2010/main" val="2350256145"/>
+        <p14:creationId xmlns:p14="http://schemas.microsoft.com/office/powerpoint/2010/main" val="3957241007"/>
       </p:ext>
     </p:extLst>
   </p:cSld>
@@ -4019,7 +4045,7 @@
                             </p:stCondLst>
                             <p:childTnLst>
                               <p:par>
-                                <p:cTn id="5" presetID="10" presetClass="entr" presetSubtype="0" fill="hold" nodeType="withEffect">
+                                <p:cTn id="5" presetID="2" presetClass="entr" presetSubtype="4" fill="hold" nodeType="withEffect">
                                   <p:stCondLst>
                                     <p:cond delay="0"/>
                                   </p:stCondLst>
@@ -4032,7 +4058,7 @@
                                           </p:stCondLst>
                                         </p:cTn>
                                         <p:tgtEl>
-                                          <p:spTgt spid="21"/>
+                                          <p:spTgt spid="3"/>
                                         </p:tgtEl>
                                         <p:attrNameLst>
                                           <p:attrName>style.visibility</p:attrName>
@@ -4042,110 +4068,48 @@
                                         <p:strVal val="visible"/>
                                       </p:to>
                                     </p:set>
-                                    <p:animEffect transition="in" filter="fade">
-                                      <p:cBhvr>
-                                        <p:cTn id="7" dur="500"/>
-                                        <p:tgtEl>
-                                          <p:spTgt spid="21"/>
-                                        </p:tgtEl>
-                                      </p:cBhvr>
-                                    </p:animEffect>
-                                  </p:childTnLst>
-                                </p:cTn>
-                              </p:par>
-                            </p:childTnLst>
-                          </p:cTn>
-                        </p:par>
-                        <p:par>
-                          <p:cTn id="8" fill="hold">
-                            <p:stCondLst>
-                              <p:cond delay="500"/>
-                            </p:stCondLst>
-                            <p:childTnLst>
-                              <p:par>
-                                <p:cTn id="9" presetID="35" presetClass="emph" presetSubtype="0" repeatCount="indefinite" fill="hold" nodeType="afterEffect">
-                                  <p:stCondLst>
-                                    <p:cond delay="0"/>
-                                  </p:stCondLst>
-                                  <p:childTnLst>
-                                    <p:anim calcmode="discrete" valueType="str">
-                                      <p:cBhvr>
-                                        <p:cTn id="10" dur="1000" fill="hold"/>
-                                        <p:tgtEl>
-                                          <p:spTgt spid="21"/>
+                                    <p:anim calcmode="lin" valueType="num">
+                                      <p:cBhvr additive="base">
+                                        <p:cTn id="7" dur="500" fill="hold"/>
+                                        <p:tgtEl>
+                                          <p:spTgt spid="3"/>
                                         </p:tgtEl>
                                         <p:attrNameLst>
-                                          <p:attrName>style.visibility</p:attrName>
+                                          <p:attrName>ppt_x</p:attrName>
                                         </p:attrNameLst>
                                       </p:cBhvr>
                                       <p:tavLst>
                                         <p:tav tm="0">
                                           <p:val>
-                                            <p:strVal val="hidden"/>
+                                            <p:strVal val="#ppt_x"/>
                                           </p:val>
                                         </p:tav>
-                                        <p:tav tm="50000">
+                                        <p:tav tm="100000">
                                           <p:val>
-                                            <p:strVal val="visible"/>
+                                            <p:strVal val="#ppt_x"/>
                                           </p:val>
                                         </p:tav>
                                       </p:tavLst>
                                     </p:anim>
-                                  </p:childTnLst>
-                                </p:cTn>
-                              </p:par>
-                              <p:par>
-                                <p:cTn id="11" presetID="1" presetClass="entr" presetSubtype="0" fill="hold" nodeType="withEffect">
-                                  <p:stCondLst>
-                                    <p:cond delay="0"/>
-                                  </p:stCondLst>
-                                  <p:childTnLst>
-                                    <p:set>
-                                      <p:cBhvr>
-                                        <p:cTn id="12" dur="1" fill="hold">
-                                          <p:stCondLst>
-                                            <p:cond delay="0"/>
-                                          </p:stCondLst>
-                                        </p:cTn>
-                                        <p:tgtEl>
-                                          <p:spTgt spid="19"/>
+                                    <p:anim calcmode="lin" valueType="num">
+                                      <p:cBhvr additive="base">
+                                        <p:cTn id="8" dur="500" fill="hold"/>
+                                        <p:tgtEl>
+                                          <p:spTgt spid="3"/>
                                         </p:tgtEl>
                                         <p:attrNameLst>
-                                          <p:attrName>style.visibility</p:attrName>
-                                        </p:attrNameLst>
-                                      </p:cBhvr>
-                                      <p:to>
-                                        <p:strVal val="visible"/>
-                                      </p:to>
-                                    </p:set>
-                                  </p:childTnLst>
-                                </p:cTn>
-                              </p:par>
-                              <p:par>
-                                <p:cTn id="13" presetID="35" presetClass="emph" presetSubtype="0" repeatCount="indefinite" fill="hold" nodeType="withEffect">
-                                  <p:stCondLst>
-                                    <p:cond delay="500"/>
-                                  </p:stCondLst>
-                                  <p:childTnLst>
-                                    <p:anim calcmode="discrete" valueType="str">
-                                      <p:cBhvr>
-                                        <p:cTn id="14" dur="1000" fill="hold"/>
-                                        <p:tgtEl>
-                                          <p:spTgt spid="19"/>
-                                        </p:tgtEl>
-                                        <p:attrNameLst>
-                                          <p:attrName>style.visibility</p:attrName>
+                                          <p:attrName>ppt_y</p:attrName>
                                         </p:attrNameLst>
                                       </p:cBhvr>
                                       <p:tavLst>
                                         <p:tav tm="0">
                                           <p:val>
-                                            <p:strVal val="hidden"/>
+                                            <p:strVal val="1+#ppt_h/2"/>
                                           </p:val>
                                         </p:tav>
-                                        <p:tav tm="50000">
+                                        <p:tav tm="100000">
                                           <p:val>
-                                            <p:strVal val="visible"/>
+                                            <p:strVal val="#ppt_y"/>
                                           </p:val>
                                         </p:tav>
                                       </p:tavLst>
@@ -4184,7 +4148,7 @@
 </p:sld>
 </file>
 
-<file path=ppt/slides/slide10.xml><?xml version="1.0" encoding="utf-8"?>
+<file path=ppt/slides/slide11.xml><?xml version="1.0" encoding="utf-8"?>
 <p:sld xmlns:a="http://schemas.openxmlformats.org/drawingml/2006/main" xmlns:r="http://schemas.openxmlformats.org/officeDocument/2006/relationships" xmlns:p="http://schemas.openxmlformats.org/presentationml/2006/main">
   <p:cSld>
     <p:spTree>
@@ -5472,7 +5436,7 @@
 </p:sld>
 </file>
 
-<file path=ppt/slides/slide11.xml><?xml version="1.0" encoding="utf-8"?>
+<file path=ppt/slides/slide12.xml><?xml version="1.0" encoding="utf-8"?>
 <p:sld xmlns:a="http://schemas.openxmlformats.org/drawingml/2006/main" xmlns:r="http://schemas.openxmlformats.org/officeDocument/2006/relationships" xmlns:p="http://schemas.openxmlformats.org/presentationml/2006/main">
   <p:cSld>
     <p:spTree>
@@ -5737,7 +5701,7 @@
 </p:sld>
 </file>
 
-<file path=ppt/slides/slide12.xml><?xml version="1.0" encoding="utf-8"?>
+<file path=ppt/slides/slide13.xml><?xml version="1.0" encoding="utf-8"?>
 <p:sld xmlns:a="http://schemas.openxmlformats.org/drawingml/2006/main" xmlns:r="http://schemas.openxmlformats.org/officeDocument/2006/relationships" xmlns:p="http://schemas.openxmlformats.org/presentationml/2006/main">
   <p:cSld>
     <p:spTree>
@@ -7228,7 +7192,7 @@
 </p:sld>
 </file>
 
-<file path=ppt/slides/slide13.xml><?xml version="1.0" encoding="utf-8"?>
+<file path=ppt/slides/slide14.xml><?xml version="1.0" encoding="utf-8"?>
 <p:sld xmlns:a="http://schemas.openxmlformats.org/drawingml/2006/main" xmlns:r="http://schemas.openxmlformats.org/officeDocument/2006/relationships" xmlns:p="http://schemas.openxmlformats.org/presentationml/2006/main">
   <p:cSld>
     <p:spTree>
@@ -8022,7 +7986,394 @@
 </p:sld>
 </file>
 
+<file path=ppt/slides/slide15.xml><?xml version="1.0" encoding="utf-8"?>
+<p:sld xmlns:a="http://schemas.openxmlformats.org/drawingml/2006/main" xmlns:r="http://schemas.openxmlformats.org/officeDocument/2006/relationships" xmlns:p="http://schemas.openxmlformats.org/presentationml/2006/main">
+  <p:cSld>
+    <p:spTree>
+      <p:nvGrpSpPr>
+        <p:cNvPr id="1" name=""/>
+        <p:cNvGrpSpPr/>
+        <p:nvPr/>
+      </p:nvGrpSpPr>
+      <p:grpSpPr>
+        <a:xfrm>
+          <a:off x="0" y="0"/>
+          <a:ext cx="0" cy="0"/>
+          <a:chOff x="0" y="0"/>
+          <a:chExt cx="0" cy="0"/>
+        </a:xfrm>
+      </p:grpSpPr>
+    </p:spTree>
+    <p:extLst>
+      <p:ext uri="{BB962C8B-B14F-4D97-AF65-F5344CB8AC3E}">
+        <p14:creationId xmlns:p14="http://schemas.microsoft.com/office/powerpoint/2010/main" val="1106475862"/>
+      </p:ext>
+    </p:extLst>
+  </p:cSld>
+  <p:clrMapOvr>
+    <a:masterClrMapping/>
+  </p:clrMapOvr>
+  <mc:AlternateContent xmlns:mc="http://schemas.openxmlformats.org/markup-compatibility/2006" xmlns:p15="http://schemas.microsoft.com/office/powerpoint/2012/main">
+    <mc:Choice Requires="p15">
+      <p:transition xmlns:p14="http://schemas.microsoft.com/office/powerpoint/2010/main" spd="slow" p14:dur="1250">
+        <p15:prstTrans prst="peelOff"/>
+      </p:transition>
+    </mc:Choice>
+    <mc:Fallback xmlns="">
+      <p:transition spd="slow">
+        <p:fade/>
+      </p:transition>
+    </mc:Fallback>
+  </mc:AlternateContent>
+</p:sld>
+</file>
+
 <file path=ppt/slides/slide2.xml><?xml version="1.0" encoding="utf-8"?>
+<p:sld xmlns:a="http://schemas.openxmlformats.org/drawingml/2006/main" xmlns:r="http://schemas.openxmlformats.org/officeDocument/2006/relationships" xmlns:p="http://schemas.openxmlformats.org/presentationml/2006/main">
+  <p:cSld>
+    <p:spTree>
+      <p:nvGrpSpPr>
+        <p:cNvPr id="1" name=""/>
+        <p:cNvGrpSpPr/>
+        <p:nvPr/>
+      </p:nvGrpSpPr>
+      <p:grpSpPr>
+        <a:xfrm>
+          <a:off x="0" y="0"/>
+          <a:ext cx="0" cy="0"/>
+          <a:chOff x="0" y="0"/>
+          <a:chExt cx="0" cy="0"/>
+        </a:xfrm>
+      </p:grpSpPr>
+      <p:pic>
+        <p:nvPicPr>
+          <p:cNvPr id="3" name="Graphic 2">
+            <a:extLst>
+              <a:ext uri="{FF2B5EF4-FFF2-40B4-BE49-F238E27FC236}">
+                <a16:creationId xmlns:a16="http://schemas.microsoft.com/office/drawing/2014/main" id="{854AD77C-F60A-4F35-9B50-7E94F2966CB8}"/>
+              </a:ext>
+            </a:extLst>
+          </p:cNvPr>
+          <p:cNvPicPr>
+            <a:picLocks noChangeAspect="1"/>
+          </p:cNvPicPr>
+          <p:nvPr/>
+        </p:nvPicPr>
+        <p:blipFill>
+          <a:blip r:embed="rId2">
+            <a:extLst>
+              <a:ext uri="{28A0092B-C50C-407E-A947-70E740481C1C}">
+                <a14:useLocalDpi xmlns:a14="http://schemas.microsoft.com/office/drawing/2010/main" val="0"/>
+              </a:ext>
+              <a:ext uri="{96DAC541-7B7A-43D3-8B79-37D633B846F1}">
+                <asvg:svgBlip xmlns:asvg="http://schemas.microsoft.com/office/drawing/2016/SVG/main" r:embed="rId3"/>
+              </a:ext>
+            </a:extLst>
+          </a:blip>
+          <a:stretch>
+            <a:fillRect/>
+          </a:stretch>
+        </p:blipFill>
+        <p:spPr>
+          <a:xfrm>
+            <a:off x="-965200" y="0"/>
+            <a:ext cx="14897099" cy="6858000"/>
+          </a:xfrm>
+          <a:prstGeom prst="rect">
+            <a:avLst/>
+          </a:prstGeom>
+        </p:spPr>
+      </p:pic>
+      <p:pic>
+        <p:nvPicPr>
+          <p:cNvPr id="19" name="GuyHiker2">
+            <a:extLst>
+              <a:ext uri="{FF2B5EF4-FFF2-40B4-BE49-F238E27FC236}">
+                <a16:creationId xmlns:a16="http://schemas.microsoft.com/office/drawing/2014/main" id="{87CACA79-60AC-4F97-A19C-CA7DB2203A92}"/>
+              </a:ext>
+            </a:extLst>
+          </p:cNvPr>
+          <p:cNvPicPr>
+            <a:picLocks noChangeAspect="1"/>
+          </p:cNvPicPr>
+          <p:nvPr/>
+        </p:nvPicPr>
+        <p:blipFill>
+          <a:blip r:embed="rId4">
+            <a:extLst>
+              <a:ext uri="{28A0092B-C50C-407E-A947-70E740481C1C}">
+                <a14:useLocalDpi xmlns:a14="http://schemas.microsoft.com/office/drawing/2010/main" val="0"/>
+              </a:ext>
+              <a:ext uri="{96DAC541-7B7A-43D3-8B79-37D633B846F1}">
+                <asvg:svgBlip xmlns:asvg="http://schemas.microsoft.com/office/drawing/2016/SVG/main" r:embed="rId5"/>
+              </a:ext>
+            </a:extLst>
+          </a:blip>
+          <a:stretch>
+            <a:fillRect/>
+          </a:stretch>
+        </p:blipFill>
+        <p:spPr>
+          <a:xfrm>
+            <a:off x="7934220" y="4327422"/>
+            <a:ext cx="3148048" cy="2225778"/>
+          </a:xfrm>
+          <a:prstGeom prst="rect">
+            <a:avLst/>
+          </a:prstGeom>
+        </p:spPr>
+      </p:pic>
+      <p:pic>
+        <p:nvPicPr>
+          <p:cNvPr id="21" name="GuyHiker">
+            <a:extLst>
+              <a:ext uri="{FF2B5EF4-FFF2-40B4-BE49-F238E27FC236}">
+                <a16:creationId xmlns:a16="http://schemas.microsoft.com/office/drawing/2014/main" id="{849D3C90-54B9-4C35-B0F3-CE08DE679BE6}"/>
+              </a:ext>
+            </a:extLst>
+          </p:cNvPr>
+          <p:cNvPicPr>
+            <a:picLocks noChangeAspect="1"/>
+          </p:cNvPicPr>
+          <p:nvPr/>
+        </p:nvPicPr>
+        <p:blipFill>
+          <a:blip r:embed="rId6">
+            <a:extLst>
+              <a:ext uri="{28A0092B-C50C-407E-A947-70E740481C1C}">
+                <a14:useLocalDpi xmlns:a14="http://schemas.microsoft.com/office/drawing/2010/main" val="0"/>
+              </a:ext>
+              <a:ext uri="{96DAC541-7B7A-43D3-8B79-37D633B846F1}">
+                <asvg:svgBlip xmlns:asvg="http://schemas.microsoft.com/office/drawing/2016/SVG/main" r:embed="rId7"/>
+              </a:ext>
+            </a:extLst>
+          </a:blip>
+          <a:stretch>
+            <a:fillRect/>
+          </a:stretch>
+        </p:blipFill>
+        <p:spPr>
+          <a:xfrm>
+            <a:off x="7934220" y="4327422"/>
+            <a:ext cx="3148048" cy="2225778"/>
+          </a:xfrm>
+          <a:prstGeom prst="rect">
+            <a:avLst/>
+          </a:prstGeom>
+        </p:spPr>
+      </p:pic>
+    </p:spTree>
+    <p:extLst>
+      <p:ext uri="{BB962C8B-B14F-4D97-AF65-F5344CB8AC3E}">
+        <p14:creationId xmlns:p14="http://schemas.microsoft.com/office/powerpoint/2010/main" val="2350256145"/>
+      </p:ext>
+    </p:extLst>
+  </p:cSld>
+  <p:clrMapOvr>
+    <a:masterClrMapping/>
+  </p:clrMapOvr>
+  <mc:AlternateContent xmlns:mc="http://schemas.openxmlformats.org/markup-compatibility/2006" xmlns:p15="http://schemas.microsoft.com/office/powerpoint/2012/main">
+    <mc:Choice Requires="p15">
+      <p:transition xmlns:p14="http://schemas.microsoft.com/office/powerpoint/2010/main" spd="slow" p14:dur="1250">
+        <p15:prstTrans prst="peelOff"/>
+      </p:transition>
+    </mc:Choice>
+    <mc:Fallback xmlns="">
+      <p:transition spd="slow">
+        <p:fade/>
+      </p:transition>
+    </mc:Fallback>
+  </mc:AlternateContent>
+  <p:timing>
+    <p:tnLst>
+      <p:par>
+        <p:cTn id="1" dur="indefinite" restart="never" nodeType="tmRoot">
+          <p:childTnLst>
+            <p:seq concurrent="1" nextAc="seek">
+              <p:cTn id="2" dur="indefinite" nodeType="mainSeq">
+                <p:childTnLst>
+                  <p:par>
+                    <p:cTn id="3" fill="hold">
+                      <p:stCondLst>
+                        <p:cond delay="indefinite"/>
+                        <p:cond evt="onBegin" delay="0">
+                          <p:tn val="2"/>
+                        </p:cond>
+                      </p:stCondLst>
+                      <p:childTnLst>
+                        <p:par>
+                          <p:cTn id="4" fill="hold">
+                            <p:stCondLst>
+                              <p:cond delay="0"/>
+                            </p:stCondLst>
+                            <p:childTnLst>
+                              <p:par>
+                                <p:cTn id="5" presetID="10" presetClass="entr" presetSubtype="0" fill="hold" nodeType="withEffect">
+                                  <p:stCondLst>
+                                    <p:cond delay="0"/>
+                                  </p:stCondLst>
+                                  <p:childTnLst>
+                                    <p:set>
+                                      <p:cBhvr>
+                                        <p:cTn id="6" dur="1" fill="hold">
+                                          <p:stCondLst>
+                                            <p:cond delay="0"/>
+                                          </p:stCondLst>
+                                        </p:cTn>
+                                        <p:tgtEl>
+                                          <p:spTgt spid="21"/>
+                                        </p:tgtEl>
+                                        <p:attrNameLst>
+                                          <p:attrName>style.visibility</p:attrName>
+                                        </p:attrNameLst>
+                                      </p:cBhvr>
+                                      <p:to>
+                                        <p:strVal val="visible"/>
+                                      </p:to>
+                                    </p:set>
+                                    <p:animEffect transition="in" filter="fade">
+                                      <p:cBhvr>
+                                        <p:cTn id="7" dur="500"/>
+                                        <p:tgtEl>
+                                          <p:spTgt spid="21"/>
+                                        </p:tgtEl>
+                                      </p:cBhvr>
+                                    </p:animEffect>
+                                  </p:childTnLst>
+                                </p:cTn>
+                              </p:par>
+                            </p:childTnLst>
+                          </p:cTn>
+                        </p:par>
+                        <p:par>
+                          <p:cTn id="8" fill="hold">
+                            <p:stCondLst>
+                              <p:cond delay="500"/>
+                            </p:stCondLst>
+                            <p:childTnLst>
+                              <p:par>
+                                <p:cTn id="9" presetID="35" presetClass="emph" presetSubtype="0" repeatCount="indefinite" fill="hold" nodeType="afterEffect">
+                                  <p:stCondLst>
+                                    <p:cond delay="0"/>
+                                  </p:stCondLst>
+                                  <p:childTnLst>
+                                    <p:anim calcmode="discrete" valueType="str">
+                                      <p:cBhvr>
+                                        <p:cTn id="10" dur="1000" fill="hold"/>
+                                        <p:tgtEl>
+                                          <p:spTgt spid="21"/>
+                                        </p:tgtEl>
+                                        <p:attrNameLst>
+                                          <p:attrName>style.visibility</p:attrName>
+                                        </p:attrNameLst>
+                                      </p:cBhvr>
+                                      <p:tavLst>
+                                        <p:tav tm="0">
+                                          <p:val>
+                                            <p:strVal val="hidden"/>
+                                          </p:val>
+                                        </p:tav>
+                                        <p:tav tm="50000">
+                                          <p:val>
+                                            <p:strVal val="visible"/>
+                                          </p:val>
+                                        </p:tav>
+                                      </p:tavLst>
+                                    </p:anim>
+                                  </p:childTnLst>
+                                </p:cTn>
+                              </p:par>
+                              <p:par>
+                                <p:cTn id="11" presetID="1" presetClass="entr" presetSubtype="0" fill="hold" nodeType="withEffect">
+                                  <p:stCondLst>
+                                    <p:cond delay="0"/>
+                                  </p:stCondLst>
+                                  <p:childTnLst>
+                                    <p:set>
+                                      <p:cBhvr>
+                                        <p:cTn id="12" dur="1" fill="hold">
+                                          <p:stCondLst>
+                                            <p:cond delay="0"/>
+                                          </p:stCondLst>
+                                        </p:cTn>
+                                        <p:tgtEl>
+                                          <p:spTgt spid="19"/>
+                                        </p:tgtEl>
+                                        <p:attrNameLst>
+                                          <p:attrName>style.visibility</p:attrName>
+                                        </p:attrNameLst>
+                                      </p:cBhvr>
+                                      <p:to>
+                                        <p:strVal val="visible"/>
+                                      </p:to>
+                                    </p:set>
+                                  </p:childTnLst>
+                                </p:cTn>
+                              </p:par>
+                              <p:par>
+                                <p:cTn id="13" presetID="35" presetClass="emph" presetSubtype="0" repeatCount="indefinite" fill="hold" nodeType="withEffect">
+                                  <p:stCondLst>
+                                    <p:cond delay="500"/>
+                                  </p:stCondLst>
+                                  <p:childTnLst>
+                                    <p:anim calcmode="discrete" valueType="str">
+                                      <p:cBhvr>
+                                        <p:cTn id="14" dur="1000" fill="hold"/>
+                                        <p:tgtEl>
+                                          <p:spTgt spid="19"/>
+                                        </p:tgtEl>
+                                        <p:attrNameLst>
+                                          <p:attrName>style.visibility</p:attrName>
+                                        </p:attrNameLst>
+                                      </p:cBhvr>
+                                      <p:tavLst>
+                                        <p:tav tm="0">
+                                          <p:val>
+                                            <p:strVal val="hidden"/>
+                                          </p:val>
+                                        </p:tav>
+                                        <p:tav tm="50000">
+                                          <p:val>
+                                            <p:strVal val="visible"/>
+                                          </p:val>
+                                        </p:tav>
+                                      </p:tavLst>
+                                    </p:anim>
+                                  </p:childTnLst>
+                                </p:cTn>
+                              </p:par>
+                            </p:childTnLst>
+                          </p:cTn>
+                        </p:par>
+                      </p:childTnLst>
+                    </p:cTn>
+                  </p:par>
+                </p:childTnLst>
+              </p:cTn>
+              <p:prevCondLst>
+                <p:cond evt="onPrev" delay="0">
+                  <p:tgtEl>
+                    <p:sldTgt/>
+                  </p:tgtEl>
+                </p:cond>
+              </p:prevCondLst>
+              <p:nextCondLst>
+                <p:cond evt="onNext" delay="0">
+                  <p:tgtEl>
+                    <p:sldTgt/>
+                  </p:tgtEl>
+                </p:cond>
+              </p:nextCondLst>
+            </p:seq>
+          </p:childTnLst>
+        </p:cTn>
+      </p:par>
+    </p:tnLst>
+  </p:timing>
+</p:sld>
+</file>
+
+<file path=ppt/slides/slide3.xml><?xml version="1.0" encoding="utf-8"?>
 <p:sld xmlns:a="http://schemas.openxmlformats.org/drawingml/2006/main" xmlns:r="http://schemas.openxmlformats.org/officeDocument/2006/relationships" xmlns:p="http://schemas.openxmlformats.org/presentationml/2006/main">
   <p:cSld>
     <p:spTree>
@@ -8619,7 +8970,7 @@
 </p:sld>
 </file>
 
-<file path=ppt/slides/slide3.xml><?xml version="1.0" encoding="utf-8"?>
+<file path=ppt/slides/slide4.xml><?xml version="1.0" encoding="utf-8"?>
 <p:sld xmlns:a="http://schemas.openxmlformats.org/drawingml/2006/main" xmlns:r="http://schemas.openxmlformats.org/officeDocument/2006/relationships" xmlns:p="http://schemas.openxmlformats.org/presentationml/2006/main">
   <p:cSld>
     <p:spTree>
@@ -9200,7 +9551,7 @@
                                           </p:stCondLst>
                                         </p:cTn>
                                         <p:tgtEl>
-                                          <p:spTgt spid="21"/>
+                                          <p:spTgt spid="13"/>
                                         </p:tgtEl>
                                         <p:attrNameLst>
                                           <p:attrName>style.visibility</p:attrName>
@@ -9212,9 +9563,79 @@
                                     </p:set>
                                     <p:animEffect transition="in" filter="fade">
                                       <p:cBhvr>
-                                        <p:cTn id="7" dur="1000"/>
-                                        <p:tgtEl>
-                                          <p:spTgt spid="21"/>
+                                        <p:cTn id="7" dur="500"/>
+                                        <p:tgtEl>
+                                          <p:spTgt spid="13"/>
+                                        </p:tgtEl>
+                                      </p:cBhvr>
+                                    </p:animEffect>
+                                  </p:childTnLst>
+                                </p:cTn>
+                              </p:par>
+                              <p:par>
+                                <p:cTn id="8" presetID="10" presetClass="entr" presetSubtype="0" fill="hold" nodeType="withEffect">
+                                  <p:stCondLst>
+                                    <p:cond delay="0"/>
+                                  </p:stCondLst>
+                                  <p:childTnLst>
+                                    <p:set>
+                                      <p:cBhvr>
+                                        <p:cTn id="9" dur="1" fill="hold">
+                                          <p:stCondLst>
+                                            <p:cond delay="0"/>
+                                          </p:stCondLst>
+                                        </p:cTn>
+                                        <p:tgtEl>
+                                          <p:spTgt spid="33"/>
+                                        </p:tgtEl>
+                                        <p:attrNameLst>
+                                          <p:attrName>style.visibility</p:attrName>
+                                        </p:attrNameLst>
+                                      </p:cBhvr>
+                                      <p:to>
+                                        <p:strVal val="visible"/>
+                                      </p:to>
+                                    </p:set>
+                                    <p:animEffect transition="in" filter="fade">
+                                      <p:cBhvr>
+                                        <p:cTn id="10" dur="500"/>
+                                        <p:tgtEl>
+                                          <p:spTgt spid="33"/>
+                                        </p:tgtEl>
+                                      </p:cBhvr>
+                                    </p:animEffect>
+                                  </p:childTnLst>
+                                </p:cTn>
+                              </p:par>
+                              <p:par>
+                                <p:cTn id="11" presetID="10" presetClass="entr" presetSubtype="0" fill="hold" nodeType="withEffect">
+                                  <p:stCondLst>
+                                    <p:cond delay="0"/>
+                                  </p:stCondLst>
+                                  <p:childTnLst>
+                                    <p:set>
+                                      <p:cBhvr>
+                                        <p:cTn id="12" dur="1" fill="hold">
+                                          <p:stCondLst>
+                                            <p:cond delay="0"/>
+                                          </p:stCondLst>
+                                        </p:cTn>
+                                        <p:tgtEl>
+                                          <p:spTgt spid="19"/>
+                                        </p:tgtEl>
+                                        <p:attrNameLst>
+                                          <p:attrName>style.visibility</p:attrName>
+                                        </p:attrNameLst>
+                                      </p:cBhvr>
+                                      <p:to>
+                                        <p:strVal val="visible"/>
+                                      </p:to>
+                                    </p:set>
+                                    <p:animEffect transition="in" filter="fade">
+                                      <p:cBhvr>
+                                        <p:cTn id="13" dur="500"/>
+                                        <p:tgtEl>
+                                          <p:spTgt spid="19"/>
                                         </p:tgtEl>
                                       </p:cBhvr>
                                     </p:animEffect>
@@ -9224,27 +9645,36 @@
                             </p:childTnLst>
                           </p:cTn>
                         </p:par>
+                      </p:childTnLst>
+                    </p:cTn>
+                  </p:par>
+                  <p:par>
+                    <p:cTn id="14" fill="hold">
+                      <p:stCondLst>
+                        <p:cond delay="indefinite"/>
+                      </p:stCondLst>
+                      <p:childTnLst>
                         <p:par>
-                          <p:cTn id="8" fill="hold">
+                          <p:cTn id="15" fill="hold">
                             <p:stCondLst>
-                              <p:cond delay="1000"/>
+                              <p:cond delay="0"/>
                             </p:stCondLst>
                             <p:childTnLst>
                               <p:par>
-                                <p:cTn id="9" presetID="10" presetClass="entr" presetSubtype="0" fill="hold" nodeType="afterEffect">
+                                <p:cTn id="16" presetID="10" presetClass="entr" presetSubtype="0" fill="hold" nodeType="clickEffect">
                                   <p:stCondLst>
                                     <p:cond delay="0"/>
                                   </p:stCondLst>
                                   <p:childTnLst>
                                     <p:set>
                                       <p:cBhvr>
-                                        <p:cTn id="10" dur="1" fill="hold">
+                                        <p:cTn id="17" dur="1" fill="hold">
                                           <p:stCondLst>
                                             <p:cond delay="0"/>
                                           </p:stCondLst>
                                         </p:cTn>
                                         <p:tgtEl>
-                                          <p:spTgt spid="24"/>
+                                          <p:spTgt spid="21"/>
                                         </p:tgtEl>
                                         <p:attrNameLst>
                                           <p:attrName>style.visibility</p:attrName>
@@ -9256,9 +9686,9 @@
                                     </p:set>
                                     <p:animEffect transition="in" filter="fade">
                                       <p:cBhvr>
-                                        <p:cTn id="11" dur="1000"/>
-                                        <p:tgtEl>
-                                          <p:spTgt spid="24"/>
+                                        <p:cTn id="18" dur="1000"/>
+                                        <p:tgtEl>
+                                          <p:spTgt spid="21"/>
                                         </p:tgtEl>
                                       </p:cBhvr>
                                     </p:animEffect>
@@ -9268,102 +9698,23 @@
                             </p:childTnLst>
                           </p:cTn>
                         </p:par>
+                      </p:childTnLst>
+                    </p:cTn>
+                  </p:par>
+                  <p:par>
+                    <p:cTn id="19" fill="hold">
+                      <p:stCondLst>
+                        <p:cond delay="indefinite"/>
+                      </p:stCondLst>
+                      <p:childTnLst>
                         <p:par>
-                          <p:cTn id="12" fill="hold">
+                          <p:cTn id="20" fill="hold">
                             <p:stCondLst>
-                              <p:cond delay="2000"/>
+                              <p:cond delay="0"/>
                             </p:stCondLst>
                             <p:childTnLst>
                               <p:par>
-                                <p:cTn id="13" presetID="10" presetClass="entr" presetSubtype="0" fill="hold" nodeType="afterEffect">
-                                  <p:stCondLst>
-                                    <p:cond delay="0"/>
-                                  </p:stCondLst>
-                                  <p:childTnLst>
-                                    <p:set>
-                                      <p:cBhvr>
-                                        <p:cTn id="14" dur="1" fill="hold">
-                                          <p:stCondLst>
-                                            <p:cond delay="0"/>
-                                          </p:stCondLst>
-                                        </p:cTn>
-                                        <p:tgtEl>
-                                          <p:spTgt spid="26"/>
-                                        </p:tgtEl>
-                                        <p:attrNameLst>
-                                          <p:attrName>style.visibility</p:attrName>
-                                        </p:attrNameLst>
-                                      </p:cBhvr>
-                                      <p:to>
-                                        <p:strVal val="visible"/>
-                                      </p:to>
-                                    </p:set>
-                                    <p:animEffect transition="in" filter="fade">
-                                      <p:cBhvr>
-                                        <p:cTn id="15" dur="1000"/>
-                                        <p:tgtEl>
-                                          <p:spTgt spid="26"/>
-                                        </p:tgtEl>
-                                      </p:cBhvr>
-                                    </p:animEffect>
-                                  </p:childTnLst>
-                                </p:cTn>
-                              </p:par>
-                            </p:childTnLst>
-                          </p:cTn>
-                        </p:par>
-                        <p:par>
-                          <p:cTn id="16" fill="hold">
-                            <p:stCondLst>
-                              <p:cond delay="3000"/>
-                            </p:stCondLst>
-                            <p:childTnLst>
-                              <p:par>
-                                <p:cTn id="17" presetID="10" presetClass="entr" presetSubtype="0" fill="hold" nodeType="afterEffect">
-                                  <p:stCondLst>
-                                    <p:cond delay="0"/>
-                                  </p:stCondLst>
-                                  <p:childTnLst>
-                                    <p:set>
-                                      <p:cBhvr>
-                                        <p:cTn id="18" dur="1" fill="hold">
-                                          <p:stCondLst>
-                                            <p:cond delay="0"/>
-                                          </p:stCondLst>
-                                        </p:cTn>
-                                        <p:tgtEl>
-                                          <p:spTgt spid="28"/>
-                                        </p:tgtEl>
-                                        <p:attrNameLst>
-                                          <p:attrName>style.visibility</p:attrName>
-                                        </p:attrNameLst>
-                                      </p:cBhvr>
-                                      <p:to>
-                                        <p:strVal val="visible"/>
-                                      </p:to>
-                                    </p:set>
-                                    <p:animEffect transition="in" filter="fade">
-                                      <p:cBhvr>
-                                        <p:cTn id="19" dur="1000"/>
-                                        <p:tgtEl>
-                                          <p:spTgt spid="28"/>
-                                        </p:tgtEl>
-                                      </p:cBhvr>
-                                    </p:animEffect>
-                                  </p:childTnLst>
-                                </p:cTn>
-                              </p:par>
-                            </p:childTnLst>
-                          </p:cTn>
-                        </p:par>
-                        <p:par>
-                          <p:cTn id="20" fill="hold">
-                            <p:stCondLst>
-                              <p:cond delay="4000"/>
-                            </p:stCondLst>
-                            <p:childTnLst>
-                              <p:par>
-                                <p:cTn id="21" presetID="10" presetClass="entr" presetSubtype="0" fill="hold" nodeType="afterEffect">
+                                <p:cTn id="21" presetID="10" presetClass="entr" presetSubtype="0" fill="hold" nodeType="clickEffect">
                                   <p:stCondLst>
                                     <p:cond delay="0"/>
                                   </p:stCondLst>
@@ -9376,7 +9727,7 @@
                                           </p:stCondLst>
                                         </p:cTn>
                                         <p:tgtEl>
-                                          <p:spTgt spid="50"/>
+                                          <p:spTgt spid="24"/>
                                         </p:tgtEl>
                                         <p:attrNameLst>
                                           <p:attrName>style.visibility</p:attrName>
@@ -9390,7 +9741,219 @@
                                       <p:cBhvr>
                                         <p:cTn id="23" dur="1000"/>
                                         <p:tgtEl>
+                                          <p:spTgt spid="24"/>
+                                        </p:tgtEl>
+                                      </p:cBhvr>
+                                    </p:animEffect>
+                                  </p:childTnLst>
+                                </p:cTn>
+                              </p:par>
+                            </p:childTnLst>
+                          </p:cTn>
+                        </p:par>
+                      </p:childTnLst>
+                    </p:cTn>
+                  </p:par>
+                  <p:par>
+                    <p:cTn id="24" fill="hold">
+                      <p:stCondLst>
+                        <p:cond delay="indefinite"/>
+                      </p:stCondLst>
+                      <p:childTnLst>
+                        <p:par>
+                          <p:cTn id="25" fill="hold">
+                            <p:stCondLst>
+                              <p:cond delay="0"/>
+                            </p:stCondLst>
+                            <p:childTnLst>
+                              <p:par>
+                                <p:cTn id="26" presetID="10" presetClass="entr" presetSubtype="0" fill="hold" nodeType="clickEffect">
+                                  <p:stCondLst>
+                                    <p:cond delay="0"/>
+                                  </p:stCondLst>
+                                  <p:childTnLst>
+                                    <p:set>
+                                      <p:cBhvr>
+                                        <p:cTn id="27" dur="1" fill="hold">
+                                          <p:stCondLst>
+                                            <p:cond delay="0"/>
+                                          </p:stCondLst>
+                                        </p:cTn>
+                                        <p:tgtEl>
+                                          <p:spTgt spid="26"/>
+                                        </p:tgtEl>
+                                        <p:attrNameLst>
+                                          <p:attrName>style.visibility</p:attrName>
+                                        </p:attrNameLst>
+                                      </p:cBhvr>
+                                      <p:to>
+                                        <p:strVal val="visible"/>
+                                      </p:to>
+                                    </p:set>
+                                    <p:animEffect transition="in" filter="fade">
+                                      <p:cBhvr>
+                                        <p:cTn id="28" dur="1000"/>
+                                        <p:tgtEl>
+                                          <p:spTgt spid="26"/>
+                                        </p:tgtEl>
+                                      </p:cBhvr>
+                                    </p:animEffect>
+                                  </p:childTnLst>
+                                </p:cTn>
+                              </p:par>
+                            </p:childTnLst>
+                          </p:cTn>
+                        </p:par>
+                      </p:childTnLst>
+                    </p:cTn>
+                  </p:par>
+                  <p:par>
+                    <p:cTn id="29" fill="hold">
+                      <p:stCondLst>
+                        <p:cond delay="indefinite"/>
+                      </p:stCondLst>
+                      <p:childTnLst>
+                        <p:par>
+                          <p:cTn id="30" fill="hold">
+                            <p:stCondLst>
+                              <p:cond delay="0"/>
+                            </p:stCondLst>
+                            <p:childTnLst>
+                              <p:par>
+                                <p:cTn id="31" presetID="10" presetClass="entr" presetSubtype="0" fill="hold" nodeType="clickEffect">
+                                  <p:stCondLst>
+                                    <p:cond delay="0"/>
+                                  </p:stCondLst>
+                                  <p:childTnLst>
+                                    <p:set>
+                                      <p:cBhvr>
+                                        <p:cTn id="32" dur="1" fill="hold">
+                                          <p:stCondLst>
+                                            <p:cond delay="0"/>
+                                          </p:stCondLst>
+                                        </p:cTn>
+                                        <p:tgtEl>
+                                          <p:spTgt spid="28"/>
+                                        </p:tgtEl>
+                                        <p:attrNameLst>
+                                          <p:attrName>style.visibility</p:attrName>
+                                        </p:attrNameLst>
+                                      </p:cBhvr>
+                                      <p:to>
+                                        <p:strVal val="visible"/>
+                                      </p:to>
+                                    </p:set>
+                                    <p:animEffect transition="in" filter="fade">
+                                      <p:cBhvr>
+                                        <p:cTn id="33" dur="1000"/>
+                                        <p:tgtEl>
+                                          <p:spTgt spid="28"/>
+                                        </p:tgtEl>
+                                      </p:cBhvr>
+                                    </p:animEffect>
+                                  </p:childTnLst>
+                                </p:cTn>
+                              </p:par>
+                            </p:childTnLst>
+                          </p:cTn>
+                        </p:par>
+                      </p:childTnLst>
+                    </p:cTn>
+                  </p:par>
+                  <p:par>
+                    <p:cTn id="34" fill="hold">
+                      <p:stCondLst>
+                        <p:cond delay="indefinite"/>
+                      </p:stCondLst>
+                      <p:childTnLst>
+                        <p:par>
+                          <p:cTn id="35" fill="hold">
+                            <p:stCondLst>
+                              <p:cond delay="0"/>
+                            </p:stCondLst>
+                            <p:childTnLst>
+                              <p:par>
+                                <p:cTn id="36" presetID="10" presetClass="entr" presetSubtype="0" fill="hold" nodeType="clickEffect">
+                                  <p:stCondLst>
+                                    <p:cond delay="0"/>
+                                  </p:stCondLst>
+                                  <p:childTnLst>
+                                    <p:set>
+                                      <p:cBhvr>
+                                        <p:cTn id="37" dur="1" fill="hold">
+                                          <p:stCondLst>
+                                            <p:cond delay="0"/>
+                                          </p:stCondLst>
+                                        </p:cTn>
+                                        <p:tgtEl>
                                           <p:spTgt spid="50"/>
+                                        </p:tgtEl>
+                                        <p:attrNameLst>
+                                          <p:attrName>style.visibility</p:attrName>
+                                        </p:attrNameLst>
+                                      </p:cBhvr>
+                                      <p:to>
+                                        <p:strVal val="visible"/>
+                                      </p:to>
+                                    </p:set>
+                                    <p:animEffect transition="in" filter="fade">
+                                      <p:cBhvr>
+                                        <p:cTn id="38" dur="1000"/>
+                                        <p:tgtEl>
+                                          <p:spTgt spid="50"/>
+                                        </p:tgtEl>
+                                      </p:cBhvr>
+                                    </p:animEffect>
+                                  </p:childTnLst>
+                                </p:cTn>
+                              </p:par>
+                            </p:childTnLst>
+                          </p:cTn>
+                        </p:par>
+                      </p:childTnLst>
+                    </p:cTn>
+                  </p:par>
+                  <p:par>
+                    <p:cTn id="39" fill="hold">
+                      <p:stCondLst>
+                        <p:cond delay="indefinite"/>
+                      </p:stCondLst>
+                      <p:childTnLst>
+                        <p:par>
+                          <p:cTn id="40" fill="hold">
+                            <p:stCondLst>
+                              <p:cond delay="0"/>
+                            </p:stCondLst>
+                            <p:childTnLst>
+                              <p:par>
+                                <p:cTn id="41" presetID="10" presetClass="entr" presetSubtype="0" fill="hold" nodeType="clickEffect">
+                                  <p:stCondLst>
+                                    <p:cond delay="0"/>
+                                  </p:stCondLst>
+                                  <p:childTnLst>
+                                    <p:set>
+                                      <p:cBhvr>
+                                        <p:cTn id="42" dur="1" fill="hold">
+                                          <p:stCondLst>
+                                            <p:cond delay="0"/>
+                                          </p:stCondLst>
+                                        </p:cTn>
+                                        <p:tgtEl>
+                                          <p:spTgt spid="42"/>
+                                        </p:tgtEl>
+                                        <p:attrNameLst>
+                                          <p:attrName>style.visibility</p:attrName>
+                                        </p:attrNameLst>
+                                      </p:cBhvr>
+                                      <p:to>
+                                        <p:strVal val="visible"/>
+                                      </p:to>
+                                    </p:set>
+                                    <p:animEffect transition="in" filter="fade">
+                                      <p:cBhvr>
+                                        <p:cTn id="43" dur="1000"/>
+                                        <p:tgtEl>
+                                          <p:spTgt spid="42"/>
                                         </p:tgtEl>
                                       </p:cBhvr>
                                     </p:animEffect>
@@ -9401,178 +9964,20 @@
                           </p:cTn>
                         </p:par>
                         <p:par>
-                          <p:cTn id="24" fill="hold">
+                          <p:cTn id="44" fill="hold">
                             <p:stCondLst>
-                              <p:cond delay="5000"/>
+                              <p:cond delay="1000"/>
                             </p:stCondLst>
                             <p:childTnLst>
                               <p:par>
-                                <p:cTn id="25" presetID="10" presetClass="entr" presetSubtype="0" fill="hold" nodeType="afterEffect">
-                                  <p:stCondLst>
-                                    <p:cond delay="0"/>
-                                  </p:stCondLst>
-                                  <p:childTnLst>
-                                    <p:set>
-                                      <p:cBhvr>
-                                        <p:cTn id="26" dur="1" fill="hold">
-                                          <p:stCondLst>
-                                            <p:cond delay="0"/>
-                                          </p:stCondLst>
-                                        </p:cTn>
-                                        <p:tgtEl>
-                                          <p:spTgt spid="42"/>
-                                        </p:tgtEl>
-                                        <p:attrNameLst>
-                                          <p:attrName>style.visibility</p:attrName>
-                                        </p:attrNameLst>
-                                      </p:cBhvr>
-                                      <p:to>
-                                        <p:strVal val="visible"/>
-                                      </p:to>
-                                    </p:set>
-                                    <p:animEffect transition="in" filter="fade">
-                                      <p:cBhvr>
-                                        <p:cTn id="27" dur="1000"/>
-                                        <p:tgtEl>
-                                          <p:spTgt spid="42"/>
-                                        </p:tgtEl>
-                                      </p:cBhvr>
-                                    </p:animEffect>
-                                  </p:childTnLst>
-                                </p:cTn>
-                              </p:par>
-                            </p:childTnLst>
-                          </p:cTn>
-                        </p:par>
-                        <p:par>
-                          <p:cTn id="28" fill="hold">
-                            <p:stCondLst>
-                              <p:cond delay="6000"/>
-                            </p:stCondLst>
-                            <p:childTnLst>
-                              <p:par>
-                                <p:cTn id="29" presetID="10" presetClass="entr" presetSubtype="0" fill="hold" nodeType="afterEffect">
-                                  <p:stCondLst>
-                                    <p:cond delay="0"/>
-                                  </p:stCondLst>
-                                  <p:childTnLst>
-                                    <p:set>
-                                      <p:cBhvr>
-                                        <p:cTn id="30" dur="1" fill="hold">
-                                          <p:stCondLst>
-                                            <p:cond delay="0"/>
-                                          </p:stCondLst>
-                                        </p:cTn>
-                                        <p:tgtEl>
-                                          <p:spTgt spid="13"/>
-                                        </p:tgtEl>
-                                        <p:attrNameLst>
-                                          <p:attrName>style.visibility</p:attrName>
-                                        </p:attrNameLst>
-                                      </p:cBhvr>
-                                      <p:to>
-                                        <p:strVal val="visible"/>
-                                      </p:to>
-                                    </p:set>
-                                    <p:animEffect transition="in" filter="fade">
-                                      <p:cBhvr>
-                                        <p:cTn id="31" dur="500"/>
-                                        <p:tgtEl>
-                                          <p:spTgt spid="13"/>
-                                        </p:tgtEl>
-                                      </p:cBhvr>
-                                    </p:animEffect>
-                                  </p:childTnLst>
-                                </p:cTn>
-                              </p:par>
-                              <p:par>
-                                <p:cTn id="32" presetID="10" presetClass="entr" presetSubtype="0" fill="hold" nodeType="withEffect">
-                                  <p:stCondLst>
-                                    <p:cond delay="0"/>
-                                  </p:stCondLst>
-                                  <p:childTnLst>
-                                    <p:set>
-                                      <p:cBhvr>
-                                        <p:cTn id="33" dur="1" fill="hold">
-                                          <p:stCondLst>
-                                            <p:cond delay="0"/>
-                                          </p:stCondLst>
-                                        </p:cTn>
-                                        <p:tgtEl>
-                                          <p:spTgt spid="33"/>
-                                        </p:tgtEl>
-                                        <p:attrNameLst>
-                                          <p:attrName>style.visibility</p:attrName>
-                                        </p:attrNameLst>
-                                      </p:cBhvr>
-                                      <p:to>
-                                        <p:strVal val="visible"/>
-                                      </p:to>
-                                    </p:set>
-                                    <p:animEffect transition="in" filter="fade">
-                                      <p:cBhvr>
-                                        <p:cTn id="34" dur="500"/>
-                                        <p:tgtEl>
-                                          <p:spTgt spid="33"/>
-                                        </p:tgtEl>
-                                      </p:cBhvr>
-                                    </p:animEffect>
-                                  </p:childTnLst>
-                                </p:cTn>
-                              </p:par>
-                              <p:par>
-                                <p:cTn id="35" presetID="10" presetClass="entr" presetSubtype="0" fill="hold" nodeType="withEffect">
-                                  <p:stCondLst>
-                                    <p:cond delay="0"/>
-                                  </p:stCondLst>
-                                  <p:childTnLst>
-                                    <p:set>
-                                      <p:cBhvr>
-                                        <p:cTn id="36" dur="1" fill="hold">
-                                          <p:stCondLst>
-                                            <p:cond delay="0"/>
-                                          </p:stCondLst>
-                                        </p:cTn>
-                                        <p:tgtEl>
-                                          <p:spTgt spid="19"/>
-                                        </p:tgtEl>
-                                        <p:attrNameLst>
-                                          <p:attrName>style.visibility</p:attrName>
-                                        </p:attrNameLst>
-                                      </p:cBhvr>
-                                      <p:to>
-                                        <p:strVal val="visible"/>
-                                      </p:to>
-                                    </p:set>
-                                    <p:animEffect transition="in" filter="fade">
-                                      <p:cBhvr>
-                                        <p:cTn id="37" dur="500"/>
-                                        <p:tgtEl>
-                                          <p:spTgt spid="19"/>
-                                        </p:tgtEl>
-                                      </p:cBhvr>
-                                    </p:animEffect>
-                                  </p:childTnLst>
-                                </p:cTn>
-                              </p:par>
-                            </p:childTnLst>
-                          </p:cTn>
-                        </p:par>
-                        <p:par>
-                          <p:cTn id="38" fill="hold">
-                            <p:stCondLst>
-                              <p:cond delay="6500"/>
-                            </p:stCondLst>
-                            <p:childTnLst>
-                              <p:par>
-                                <p:cTn id="39" presetID="42" presetClass="path" presetSubtype="0" repeatCount="1600" accel="50000" decel="50000" autoRev="1" fill="hold" nodeType="afterEffect">
+                                <p:cTn id="45" presetID="42" presetClass="path" presetSubtype="0" repeatCount="1600" accel="50000" decel="50000" autoRev="1" fill="hold" nodeType="afterEffect">
                                   <p:stCondLst>
                                     <p:cond delay="0"/>
                                   </p:stCondLst>
                                   <p:childTnLst>
                                     <p:animMotion origin="layout" path="M 2.29167E-6 -4.07407E-6 L 0.00143 -0.02569 " pathEditMode="relative" rAng="0" ptsTypes="AA">
                                       <p:cBhvr>
-                                        <p:cTn id="40" dur="3000" fill="hold"/>
+                                        <p:cTn id="46" dur="3000" fill="hold"/>
                                         <p:tgtEl>
                                           <p:spTgt spid="13"/>
                                         </p:tgtEl>
@@ -9587,19 +9992,19 @@
                                 </p:cTn>
                               </p:par>
                               <p:par>
-                                <p:cTn id="41" presetID="6" presetClass="emph" presetSubtype="0" repeatCount="indefinite" autoRev="1" fill="hold" nodeType="withEffect">
+                                <p:cTn id="47" presetID="6" presetClass="emph" presetSubtype="0" repeatCount="indefinite" autoRev="1" fill="hold" nodeType="withEffect">
                                   <p:stCondLst>
                                     <p:cond delay="0"/>
                                   </p:stCondLst>
                                   <p:childTnLst>
                                     <p:animScale>
                                       <p:cBhvr>
-                                        <p:cTn id="42" dur="2000" fill="hold"/>
+                                        <p:cTn id="48" dur="2000" fill="hold"/>
                                         <p:tgtEl>
                                           <p:spTgt spid="19"/>
                                         </p:tgtEl>
                                       </p:cBhvr>
-                                      <p:by x="105000" y="105000"/>
+                                      <p:by x="110000" y="110000"/>
                                     </p:animScale>
                                   </p:childTnLst>
                                 </p:cTn>
@@ -9635,7 +10040,7 @@
 </p:sld>
 </file>
 
-<file path=ppt/slides/slide4.xml><?xml version="1.0" encoding="utf-8"?>
+<file path=ppt/slides/slide5.xml><?xml version="1.0" encoding="utf-8"?>
 <p:sld xmlns:a="http://schemas.openxmlformats.org/drawingml/2006/main" xmlns:r="http://schemas.openxmlformats.org/officeDocument/2006/relationships" xmlns:p="http://schemas.openxmlformats.org/presentationml/2006/main">
   <p:cSld>
     <p:spTree>
@@ -10355,7 +10760,7 @@
 </p:sld>
 </file>
 
-<file path=ppt/slides/slide5.xml><?xml version="1.0" encoding="utf-8"?>
+<file path=ppt/slides/slide6.xml><?xml version="1.0" encoding="utf-8"?>
 <p:sld xmlns:a="http://schemas.openxmlformats.org/drawingml/2006/main" xmlns:r="http://schemas.openxmlformats.org/officeDocument/2006/relationships" xmlns:p="http://schemas.openxmlformats.org/presentationml/2006/main">
   <p:cSld>
     <p:spTree>
@@ -11161,7 +11566,7 @@
 </p:sld>
 </file>
 
-<file path=ppt/slides/slide6.xml><?xml version="1.0" encoding="utf-8"?>
+<file path=ppt/slides/slide7.xml><?xml version="1.0" encoding="utf-8"?>
 <p:sld xmlns:a="http://schemas.openxmlformats.org/drawingml/2006/main" xmlns:r="http://schemas.openxmlformats.org/officeDocument/2006/relationships" xmlns:p="http://schemas.openxmlformats.org/presentationml/2006/main">
   <p:cSld>
     <p:spTree>
@@ -11560,6 +11965,103 @@
           </a:p>
         </p:txBody>
       </p:sp>
+      <p:grpSp>
+        <p:nvGrpSpPr>
+          <p:cNvPr id="12" name="eyebrow">
+            <a:extLst>
+              <a:ext uri="{FF2B5EF4-FFF2-40B4-BE49-F238E27FC236}">
+                <a16:creationId xmlns:a16="http://schemas.microsoft.com/office/drawing/2014/main" id="{622FDAAF-897F-4A86-A574-9BFC09425A90}"/>
+              </a:ext>
+            </a:extLst>
+          </p:cNvPr>
+          <p:cNvGrpSpPr/>
+          <p:nvPr/>
+        </p:nvGrpSpPr>
+        <p:grpSpPr>
+          <a:xfrm>
+            <a:off x="191820" y="1996171"/>
+            <a:ext cx="2763520" cy="562379"/>
+            <a:chOff x="4940300" y="3249350"/>
+            <a:chExt cx="2501726" cy="382850"/>
+          </a:xfrm>
+        </p:grpSpPr>
+        <p:pic>
+          <p:nvPicPr>
+            <p:cNvPr id="13" name="Graphic 12">
+              <a:extLst>
+                <a:ext uri="{FF2B5EF4-FFF2-40B4-BE49-F238E27FC236}">
+                  <a16:creationId xmlns:a16="http://schemas.microsoft.com/office/drawing/2014/main" id="{13F5CB58-E2B1-4349-8BA2-EA05BECDA73A}"/>
+                </a:ext>
+              </a:extLst>
+            </p:cNvPr>
+            <p:cNvPicPr>
+              <a:picLocks noChangeAspect="1"/>
+            </p:cNvPicPr>
+            <p:nvPr/>
+          </p:nvPicPr>
+          <p:blipFill rotWithShape="1">
+            <a:blip r:embed="rId4">
+              <a:extLst>
+                <a:ext uri="{28A0092B-C50C-407E-A947-70E740481C1C}">
+                  <a14:useLocalDpi xmlns:a14="http://schemas.microsoft.com/office/drawing/2010/main" val="0"/>
+                </a:ext>
+                <a:ext uri="{96DAC541-7B7A-43D3-8B79-37D633B846F1}">
+                  <asvg:svgBlip xmlns:asvg="http://schemas.microsoft.com/office/drawing/2016/SVG/main" r:embed="rId5"/>
+                </a:ext>
+              </a:extLst>
+            </a:blip>
+            <a:srcRect l="38612" t="40175" r="40437" b="52820"/>
+            <a:stretch/>
+          </p:blipFill>
+          <p:spPr>
+            <a:xfrm>
+              <a:off x="4940300" y="3263900"/>
+              <a:ext cx="1101551" cy="368300"/>
+            </a:xfrm>
+            <a:prstGeom prst="rect">
+              <a:avLst/>
+            </a:prstGeom>
+          </p:spPr>
+        </p:pic>
+        <p:pic>
+          <p:nvPicPr>
+            <p:cNvPr id="14" name="Graphic 22">
+              <a:extLst>
+                <a:ext uri="{FF2B5EF4-FFF2-40B4-BE49-F238E27FC236}">
+                  <a16:creationId xmlns:a16="http://schemas.microsoft.com/office/drawing/2014/main" id="{0F756BA8-7AE1-4563-9E82-0C554F775561}"/>
+                </a:ext>
+              </a:extLst>
+            </p:cNvPr>
+            <p:cNvPicPr>
+              <a:picLocks noChangeAspect="1"/>
+            </p:cNvPicPr>
+            <p:nvPr/>
+          </p:nvPicPr>
+          <p:blipFill rotWithShape="1">
+            <a:blip r:embed="rId4">
+              <a:extLst>
+                <a:ext uri="{28A0092B-C50C-407E-A947-70E740481C1C}">
+                  <a14:useLocalDpi xmlns:a14="http://schemas.microsoft.com/office/drawing/2010/main" val="0"/>
+                </a:ext>
+                <a:ext uri="{96DAC541-7B7A-43D3-8B79-37D633B846F1}">
+                  <asvg:svgBlip xmlns:asvg="http://schemas.microsoft.com/office/drawing/2016/SVG/main" r:embed="rId5"/>
+                </a:ext>
+              </a:extLst>
+            </a:blip>
+            <a:srcRect l="38612" t="40175" r="40437" b="52820"/>
+            <a:stretch/>
+          </p:blipFill>
+          <p:spPr>
+            <a:xfrm rot="581536">
+              <a:off x="6340475" y="3249350"/>
+              <a:ext cx="1101551" cy="368300"/>
+            </a:xfrm>
+            <a:prstGeom prst="rect">
+              <a:avLst/>
+            </a:prstGeom>
+          </p:spPr>
+        </p:pic>
+      </p:grpSp>
     </p:spTree>
     <p:extLst>
       <p:ext uri="{BB962C8B-B14F-4D97-AF65-F5344CB8AC3E}">
@@ -11619,7 +12121,7 @@
                                           </p:stCondLst>
                                         </p:cTn>
                                         <p:tgtEl>
-                                          <p:spTgt spid="16"/>
+                                          <p:spTgt spid="6"/>
                                         </p:tgtEl>
                                         <p:attrNameLst>
                                           <p:attrName>style.visibility</p:attrName>
@@ -11631,9 +12133,79 @@
                                     </p:set>
                                     <p:animEffect transition="in" filter="fade">
                                       <p:cBhvr>
-                                        <p:cTn id="7" dur="1000"/>
-                                        <p:tgtEl>
-                                          <p:spTgt spid="16"/>
+                                        <p:cTn id="7" dur="500"/>
+                                        <p:tgtEl>
+                                          <p:spTgt spid="6"/>
+                                        </p:tgtEl>
+                                      </p:cBhvr>
+                                    </p:animEffect>
+                                  </p:childTnLst>
+                                </p:cTn>
+                              </p:par>
+                              <p:par>
+                                <p:cTn id="8" presetID="10" presetClass="entr" presetSubtype="0" fill="hold" nodeType="withEffect">
+                                  <p:stCondLst>
+                                    <p:cond delay="0"/>
+                                  </p:stCondLst>
+                                  <p:childTnLst>
+                                    <p:set>
+                                      <p:cBhvr>
+                                        <p:cTn id="9" dur="1" fill="hold">
+                                          <p:stCondLst>
+                                            <p:cond delay="0"/>
+                                          </p:stCondLst>
+                                        </p:cTn>
+                                        <p:tgtEl>
+                                          <p:spTgt spid="12"/>
+                                        </p:tgtEl>
+                                        <p:attrNameLst>
+                                          <p:attrName>style.visibility</p:attrName>
+                                        </p:attrNameLst>
+                                      </p:cBhvr>
+                                      <p:to>
+                                        <p:strVal val="visible"/>
+                                      </p:to>
+                                    </p:set>
+                                    <p:animEffect transition="in" filter="fade">
+                                      <p:cBhvr>
+                                        <p:cTn id="10" dur="500"/>
+                                        <p:tgtEl>
+                                          <p:spTgt spid="12"/>
+                                        </p:tgtEl>
+                                      </p:cBhvr>
+                                    </p:animEffect>
+                                  </p:childTnLst>
+                                </p:cTn>
+                              </p:par>
+                              <p:par>
+                                <p:cTn id="11" presetID="10" presetClass="entr" presetSubtype="0" fill="hold" nodeType="withEffect">
+                                  <p:stCondLst>
+                                    <p:cond delay="0"/>
+                                  </p:stCondLst>
+                                  <p:childTnLst>
+                                    <p:set>
+                                      <p:cBhvr>
+                                        <p:cTn id="12" dur="1" fill="hold">
+                                          <p:stCondLst>
+                                            <p:cond delay="0"/>
+                                          </p:stCondLst>
+                                        </p:cTn>
+                                        <p:tgtEl>
+                                          <p:spTgt spid="8"/>
+                                        </p:tgtEl>
+                                        <p:attrNameLst>
+                                          <p:attrName>style.visibility</p:attrName>
+                                        </p:attrNameLst>
+                                      </p:cBhvr>
+                                      <p:to>
+                                        <p:strVal val="visible"/>
+                                      </p:to>
+                                    </p:set>
+                                    <p:animEffect transition="in" filter="fade">
+                                      <p:cBhvr>
+                                        <p:cTn id="13" dur="500"/>
+                                        <p:tgtEl>
+                                          <p:spTgt spid="8"/>
                                         </p:tgtEl>
                                       </p:cBhvr>
                                     </p:animEffect>
@@ -11644,26 +12216,26 @@
                           </p:cTn>
                         </p:par>
                         <p:par>
-                          <p:cTn id="8" fill="hold">
+                          <p:cTn id="14" fill="hold">
                             <p:stCondLst>
-                              <p:cond delay="1000"/>
+                              <p:cond delay="500"/>
                             </p:stCondLst>
                             <p:childTnLst>
                               <p:par>
-                                <p:cTn id="9" presetID="10" presetClass="entr" presetSubtype="0" fill="hold" nodeType="afterEffect">
+                                <p:cTn id="15" presetID="10" presetClass="entr" presetSubtype="0" fill="hold" grpId="0" nodeType="afterEffect">
                                   <p:stCondLst>
                                     <p:cond delay="0"/>
                                   </p:stCondLst>
                                   <p:childTnLst>
                                     <p:set>
                                       <p:cBhvr>
-                                        <p:cTn id="10" dur="1" fill="hold">
+                                        <p:cTn id="16" dur="1" fill="hold">
                                           <p:stCondLst>
                                             <p:cond delay="0"/>
                                           </p:stCondLst>
                                         </p:cTn>
                                         <p:tgtEl>
-                                          <p:spTgt spid="10"/>
+                                          <p:spTgt spid="3"/>
                                         </p:tgtEl>
                                         <p:attrNameLst>
                                           <p:attrName>style.visibility</p:attrName>
@@ -11675,9 +12247,44 @@
                                     </p:set>
                                     <p:animEffect transition="in" filter="fade">
                                       <p:cBhvr>
-                                        <p:cTn id="11" dur="1000"/>
-                                        <p:tgtEl>
-                                          <p:spTgt spid="10"/>
+                                        <p:cTn id="17" dur="500"/>
+                                        <p:tgtEl>
+                                          <p:spTgt spid="3"/>
+                                        </p:tgtEl>
+                                      </p:cBhvr>
+                                    </p:animEffect>
+                                  </p:childTnLst>
+                                </p:cTn>
+                              </p:par>
+                              <p:par>
+                                <p:cTn id="18" presetID="10" presetClass="entr" presetSubtype="0" fill="hold" grpId="1" nodeType="withEffect">
+                                  <p:stCondLst>
+                                    <p:cond delay="0"/>
+                                  </p:stCondLst>
+                                  <p:childTnLst>
+                                    <p:set>
+                                      <p:cBhvr>
+                                        <p:cTn id="19" dur="1" fill="hold">
+                                          <p:stCondLst>
+                                            <p:cond delay="0"/>
+                                          </p:stCondLst>
+                                        </p:cTn>
+                                        <p:tgtEl>
+                                          <p:spTgt spid="7"/>
+                                        </p:tgtEl>
+                                        <p:attrNameLst>
+                                          <p:attrName>style.visibility</p:attrName>
+                                        </p:attrNameLst>
+                                      </p:cBhvr>
+                                      <p:to>
+                                        <p:strVal val="visible"/>
+                                      </p:to>
+                                    </p:set>
+                                    <p:animEffect transition="in" filter="fade">
+                                      <p:cBhvr>
+                                        <p:cTn id="20" dur="500"/>
+                                        <p:tgtEl>
+                                          <p:spTgt spid="7"/>
                                         </p:tgtEl>
                                       </p:cBhvr>
                                     </p:animEffect>
@@ -11687,27 +12294,36 @@
                             </p:childTnLst>
                           </p:cTn>
                         </p:par>
+                      </p:childTnLst>
+                    </p:cTn>
+                  </p:par>
+                  <p:par>
+                    <p:cTn id="21" fill="hold">
+                      <p:stCondLst>
+                        <p:cond delay="indefinite"/>
+                      </p:stCondLst>
+                      <p:childTnLst>
                         <p:par>
-                          <p:cTn id="12" fill="hold">
+                          <p:cTn id="22" fill="hold">
                             <p:stCondLst>
-                              <p:cond delay="2000"/>
+                              <p:cond delay="0"/>
                             </p:stCondLst>
                             <p:childTnLst>
                               <p:par>
-                                <p:cTn id="13" presetID="10" presetClass="entr" presetSubtype="0" fill="hold" grpId="0" nodeType="afterEffect">
+                                <p:cTn id="23" presetID="10" presetClass="entr" presetSubtype="0" fill="hold" nodeType="clickEffect">
                                   <p:stCondLst>
                                     <p:cond delay="0"/>
                                   </p:stCondLst>
                                   <p:childTnLst>
                                     <p:set>
                                       <p:cBhvr>
-                                        <p:cTn id="14" dur="1" fill="hold">
+                                        <p:cTn id="24" dur="1" fill="hold">
                                           <p:stCondLst>
                                             <p:cond delay="0"/>
                                           </p:stCondLst>
                                         </p:cTn>
                                         <p:tgtEl>
-                                          <p:spTgt spid="11"/>
+                                          <p:spTgt spid="16"/>
                                         </p:tgtEl>
                                         <p:attrNameLst>
                                           <p:attrName>style.visibility</p:attrName>
@@ -11719,9 +12335,9 @@
                                     </p:set>
                                     <p:animEffect transition="in" filter="fade">
                                       <p:cBhvr>
-                                        <p:cTn id="15" dur="1000"/>
-                                        <p:tgtEl>
-                                          <p:spTgt spid="11"/>
+                                        <p:cTn id="25" dur="1000"/>
+                                        <p:tgtEl>
+                                          <p:spTgt spid="16"/>
                                         </p:tgtEl>
                                       </p:cBhvr>
                                     </p:animEffect>
@@ -11731,27 +12347,36 @@
                             </p:childTnLst>
                           </p:cTn>
                         </p:par>
+                      </p:childTnLst>
+                    </p:cTn>
+                  </p:par>
+                  <p:par>
+                    <p:cTn id="26" fill="hold">
+                      <p:stCondLst>
+                        <p:cond delay="indefinite"/>
+                      </p:stCondLst>
+                      <p:childTnLst>
                         <p:par>
-                          <p:cTn id="16" fill="hold">
+                          <p:cTn id="27" fill="hold">
                             <p:stCondLst>
-                              <p:cond delay="3000"/>
+                              <p:cond delay="0"/>
                             </p:stCondLst>
                             <p:childTnLst>
                               <p:par>
-                                <p:cTn id="17" presetID="10" presetClass="entr" presetSubtype="0" fill="hold" nodeType="afterEffect">
+                                <p:cTn id="28" presetID="10" presetClass="entr" presetSubtype="0" fill="hold" nodeType="clickEffect">
                                   <p:stCondLst>
                                     <p:cond delay="0"/>
                                   </p:stCondLst>
                                   <p:childTnLst>
                                     <p:set>
                                       <p:cBhvr>
-                                        <p:cTn id="18" dur="1" fill="hold">
+                                        <p:cTn id="29" dur="1" fill="hold">
                                           <p:stCondLst>
                                             <p:cond delay="0"/>
                                           </p:stCondLst>
                                         </p:cTn>
                                         <p:tgtEl>
-                                          <p:spTgt spid="6"/>
+                                          <p:spTgt spid="10"/>
                                         </p:tgtEl>
                                         <p:attrNameLst>
                                           <p:attrName>style.visibility</p:attrName>
@@ -11763,44 +12388,9 @@
                                     </p:set>
                                     <p:animEffect transition="in" filter="fade">
                                       <p:cBhvr>
-                                        <p:cTn id="19" dur="500"/>
-                                        <p:tgtEl>
-                                          <p:spTgt spid="6"/>
-                                        </p:tgtEl>
-                                      </p:cBhvr>
-                                    </p:animEffect>
-                                  </p:childTnLst>
-                                </p:cTn>
-                              </p:par>
-                              <p:par>
-                                <p:cTn id="20" presetID="10" presetClass="entr" presetSubtype="0" fill="hold" nodeType="withEffect">
-                                  <p:stCondLst>
-                                    <p:cond delay="0"/>
-                                  </p:stCondLst>
-                                  <p:childTnLst>
-                                    <p:set>
-                                      <p:cBhvr>
-                                        <p:cTn id="21" dur="1" fill="hold">
-                                          <p:stCondLst>
-                                            <p:cond delay="0"/>
-                                          </p:stCondLst>
-                                        </p:cTn>
-                                        <p:tgtEl>
-                                          <p:spTgt spid="8"/>
-                                        </p:tgtEl>
-                                        <p:attrNameLst>
-                                          <p:attrName>style.visibility</p:attrName>
-                                        </p:attrNameLst>
-                                      </p:cBhvr>
-                                      <p:to>
-                                        <p:strVal val="visible"/>
-                                      </p:to>
-                                    </p:set>
-                                    <p:animEffect transition="in" filter="fade">
-                                      <p:cBhvr>
-                                        <p:cTn id="22" dur="500"/>
-                                        <p:tgtEl>
-                                          <p:spTgt spid="8"/>
+                                        <p:cTn id="30" dur="1000"/>
+                                        <p:tgtEl>
+                                          <p:spTgt spid="10"/>
                                         </p:tgtEl>
                                       </p:cBhvr>
                                     </p:animEffect>
@@ -11810,27 +12400,36 @@
                             </p:childTnLst>
                           </p:cTn>
                         </p:par>
+                      </p:childTnLst>
+                    </p:cTn>
+                  </p:par>
+                  <p:par>
+                    <p:cTn id="31" fill="hold">
+                      <p:stCondLst>
+                        <p:cond delay="indefinite"/>
+                      </p:stCondLst>
+                      <p:childTnLst>
                         <p:par>
-                          <p:cTn id="23" fill="hold">
+                          <p:cTn id="32" fill="hold">
                             <p:stCondLst>
-                              <p:cond delay="3500"/>
+                              <p:cond delay="0"/>
                             </p:stCondLst>
                             <p:childTnLst>
                               <p:par>
-                                <p:cTn id="24" presetID="10" presetClass="entr" presetSubtype="0" fill="hold" grpId="0" nodeType="afterEffect">
+                                <p:cTn id="33" presetID="10" presetClass="entr" presetSubtype="0" fill="hold" grpId="0" nodeType="clickEffect">
                                   <p:stCondLst>
                                     <p:cond delay="0"/>
                                   </p:stCondLst>
                                   <p:childTnLst>
                                     <p:set>
                                       <p:cBhvr>
-                                        <p:cTn id="25" dur="1" fill="hold">
+                                        <p:cTn id="34" dur="1" fill="hold">
                                           <p:stCondLst>
                                             <p:cond delay="0"/>
                                           </p:stCondLst>
                                         </p:cTn>
                                         <p:tgtEl>
-                                          <p:spTgt spid="3"/>
+                                          <p:spTgt spid="11"/>
                                         </p:tgtEl>
                                         <p:attrNameLst>
                                           <p:attrName>style.visibility</p:attrName>
@@ -11842,9 +12441,9 @@
                                     </p:set>
                                     <p:animEffect transition="in" filter="fade">
                                       <p:cBhvr>
-                                        <p:cTn id="26" dur="500"/>
-                                        <p:tgtEl>
-                                          <p:spTgt spid="3"/>
+                                        <p:cTn id="35" dur="1000"/>
+                                        <p:tgtEl>
+                                          <p:spTgt spid="11"/>
                                         </p:tgtEl>
                                       </p:cBhvr>
                                     </p:animEffect>
@@ -11852,49 +12451,14 @@
                                 </p:cTn>
                               </p:par>
                               <p:par>
-                                <p:cTn id="27" presetID="10" presetClass="entr" presetSubtype="0" fill="hold" grpId="1" nodeType="withEffect">
-                                  <p:stCondLst>
-                                    <p:cond delay="0"/>
-                                  </p:stCondLst>
-                                  <p:childTnLst>
-                                    <p:set>
-                                      <p:cBhvr>
-                                        <p:cTn id="28" dur="1" fill="hold">
-                                          <p:stCondLst>
-                                            <p:cond delay="0"/>
-                                          </p:stCondLst>
-                                        </p:cTn>
-                                        <p:tgtEl>
-                                          <p:spTgt spid="7"/>
-                                        </p:tgtEl>
-                                        <p:attrNameLst>
-                                          <p:attrName>style.visibility</p:attrName>
-                                        </p:attrNameLst>
-                                      </p:cBhvr>
-                                      <p:to>
-                                        <p:strVal val="visible"/>
-                                      </p:to>
-                                    </p:set>
-                                    <p:animEffect transition="in" filter="fade">
-                                      <p:cBhvr>
-                                        <p:cTn id="29" dur="500"/>
-                                        <p:tgtEl>
-                                          <p:spTgt spid="7"/>
-                                        </p:tgtEl>
-                                      </p:cBhvr>
-                                    </p:animEffect>
-                                  </p:childTnLst>
-                                </p:cTn>
-                              </p:par>
-                              <p:par>
-                                <p:cTn id="30" presetID="32" presetClass="emph" presetSubtype="0" repeatCount="indefinite" fill="hold" nodeType="withEffect">
+                                <p:cTn id="36" presetID="32" presetClass="emph" presetSubtype="0" repeatCount="indefinite" fill="hold" nodeType="withEffect">
                                   <p:stCondLst>
                                     <p:cond delay="0"/>
                                   </p:stCondLst>
                                   <p:childTnLst>
                                     <p:animRot by="120000">
                                       <p:cBhvr>
-                                        <p:cTn id="31" dur="300" fill="hold">
+                                        <p:cTn id="37" dur="300" fill="hold">
                                           <p:stCondLst>
                                             <p:cond delay="0"/>
                                           </p:stCondLst>
@@ -11909,7 +12473,7 @@
                                     </p:animRot>
                                     <p:animRot by="-240000">
                                       <p:cBhvr>
-                                        <p:cTn id="32" dur="600" fill="hold">
+                                        <p:cTn id="38" dur="600" fill="hold">
                                           <p:stCondLst>
                                             <p:cond delay="600"/>
                                           </p:stCondLst>
@@ -11924,7 +12488,7 @@
                                     </p:animRot>
                                     <p:animRot by="240000">
                                       <p:cBhvr>
-                                        <p:cTn id="33" dur="600" fill="hold">
+                                        <p:cTn id="39" dur="600" fill="hold">
                                           <p:stCondLst>
                                             <p:cond delay="1200"/>
                                           </p:stCondLst>
@@ -11939,7 +12503,7 @@
                                     </p:animRot>
                                     <p:animRot by="-240000">
                                       <p:cBhvr>
-                                        <p:cTn id="34" dur="600" fill="hold">
+                                        <p:cTn id="40" dur="600" fill="hold">
                                           <p:stCondLst>
                                             <p:cond delay="1800"/>
                                           </p:stCondLst>
@@ -11954,7 +12518,7 @@
                                     </p:animRot>
                                     <p:animRot by="120000">
                                       <p:cBhvr>
-                                        <p:cTn id="35" dur="600" fill="hold">
+                                        <p:cTn id="41" dur="600" fill="hold">
                                           <p:stCondLst>
                                             <p:cond delay="2400"/>
                                           </p:stCondLst>
@@ -12006,7 +12570,7 @@
 </p:sld>
 </file>
 
-<file path=ppt/slides/slide7.xml><?xml version="1.0" encoding="utf-8"?>
+<file path=ppt/slides/slide8.xml><?xml version="1.0" encoding="utf-8"?>
 <p:sld xmlns:a="http://schemas.openxmlformats.org/drawingml/2006/main" xmlns:r="http://schemas.openxmlformats.org/officeDocument/2006/relationships" xmlns:p="http://schemas.openxmlformats.org/presentationml/2006/main">
   <p:cSld>
     <p:spTree>
@@ -12646,7 +13210,7 @@
 </p:sld>
 </file>
 
-<file path=ppt/slides/slide8.xml><?xml version="1.0" encoding="utf-8"?>
+<file path=ppt/slides/slide9.xml><?xml version="1.0" encoding="utf-8"?>
 <p:sld xmlns:a="http://schemas.openxmlformats.org/drawingml/2006/main" xmlns:r="http://schemas.openxmlformats.org/officeDocument/2006/relationships" xmlns:p="http://schemas.openxmlformats.org/presentationml/2006/main">
   <p:cSld>
     <p:spTree>
@@ -13262,6 +13826,103 @@
           </a:p>
         </p:txBody>
       </p:sp>
+      <p:grpSp>
+        <p:nvGrpSpPr>
+          <p:cNvPr id="14" name="eyebrow">
+            <a:extLst>
+              <a:ext uri="{FF2B5EF4-FFF2-40B4-BE49-F238E27FC236}">
+                <a16:creationId xmlns:a16="http://schemas.microsoft.com/office/drawing/2014/main" id="{9E7E7754-9779-471E-B6A6-1A0E8E79ED57}"/>
+              </a:ext>
+            </a:extLst>
+          </p:cNvPr>
+          <p:cNvGrpSpPr/>
+          <p:nvPr/>
+        </p:nvGrpSpPr>
+        <p:grpSpPr>
+          <a:xfrm>
+            <a:off x="195337" y="1938013"/>
+            <a:ext cx="2763520" cy="562379"/>
+            <a:chOff x="4940300" y="3249350"/>
+            <a:chExt cx="2501726" cy="382850"/>
+          </a:xfrm>
+        </p:grpSpPr>
+        <p:pic>
+          <p:nvPicPr>
+            <p:cNvPr id="15" name="Graphic 14">
+              <a:extLst>
+                <a:ext uri="{FF2B5EF4-FFF2-40B4-BE49-F238E27FC236}">
+                  <a16:creationId xmlns:a16="http://schemas.microsoft.com/office/drawing/2014/main" id="{A92441C1-CE8B-456D-9DE0-32A51ED2DC49}"/>
+                </a:ext>
+              </a:extLst>
+            </p:cNvPr>
+            <p:cNvPicPr>
+              <a:picLocks noChangeAspect="1"/>
+            </p:cNvPicPr>
+            <p:nvPr/>
+          </p:nvPicPr>
+          <p:blipFill rotWithShape="1">
+            <a:blip r:embed="rId4">
+              <a:extLst>
+                <a:ext uri="{28A0092B-C50C-407E-A947-70E740481C1C}">
+                  <a14:useLocalDpi xmlns:a14="http://schemas.microsoft.com/office/drawing/2010/main" val="0"/>
+                </a:ext>
+                <a:ext uri="{96DAC541-7B7A-43D3-8B79-37D633B846F1}">
+                  <asvg:svgBlip xmlns:asvg="http://schemas.microsoft.com/office/drawing/2016/SVG/main" r:embed="rId5"/>
+                </a:ext>
+              </a:extLst>
+            </a:blip>
+            <a:srcRect l="38612" t="40175" r="40437" b="52820"/>
+            <a:stretch/>
+          </p:blipFill>
+          <p:spPr>
+            <a:xfrm>
+              <a:off x="4940300" y="3263900"/>
+              <a:ext cx="1101551" cy="368300"/>
+            </a:xfrm>
+            <a:prstGeom prst="rect">
+              <a:avLst/>
+            </a:prstGeom>
+          </p:spPr>
+        </p:pic>
+        <p:pic>
+          <p:nvPicPr>
+            <p:cNvPr id="16" name="Graphic 22">
+              <a:extLst>
+                <a:ext uri="{FF2B5EF4-FFF2-40B4-BE49-F238E27FC236}">
+                  <a16:creationId xmlns:a16="http://schemas.microsoft.com/office/drawing/2014/main" id="{BA83BE69-608A-4362-8C71-9FA6DADE7906}"/>
+                </a:ext>
+              </a:extLst>
+            </p:cNvPr>
+            <p:cNvPicPr>
+              <a:picLocks noChangeAspect="1"/>
+            </p:cNvPicPr>
+            <p:nvPr/>
+          </p:nvPicPr>
+          <p:blipFill rotWithShape="1">
+            <a:blip r:embed="rId4">
+              <a:extLst>
+                <a:ext uri="{28A0092B-C50C-407E-A947-70E740481C1C}">
+                  <a14:useLocalDpi xmlns:a14="http://schemas.microsoft.com/office/drawing/2010/main" val="0"/>
+                </a:ext>
+                <a:ext uri="{96DAC541-7B7A-43D3-8B79-37D633B846F1}">
+                  <asvg:svgBlip xmlns:asvg="http://schemas.microsoft.com/office/drawing/2016/SVG/main" r:embed="rId5"/>
+                </a:ext>
+              </a:extLst>
+            </a:blip>
+            <a:srcRect l="38612" t="40175" r="40437" b="52820"/>
+            <a:stretch/>
+          </p:blipFill>
+          <p:spPr>
+            <a:xfrm rot="581536">
+              <a:off x="6340475" y="3249350"/>
+              <a:ext cx="1101551" cy="368300"/>
+            </a:xfrm>
+            <a:prstGeom prst="rect">
+              <a:avLst/>
+            </a:prstGeom>
+          </p:spPr>
+        </p:pic>
+      </p:grpSp>
     </p:spTree>
     <p:extLst>
       <p:ext uri="{BB962C8B-B14F-4D97-AF65-F5344CB8AC3E}">
@@ -13684,7 +14345,7 @@
                                           </p:stCondLst>
                                         </p:cTn>
                                         <p:tgtEl>
-                                          <p:spTgt spid="13"/>
+                                          <p:spTgt spid="14"/>
                                         </p:tgtEl>
                                         <p:attrNameLst>
                                           <p:attrName>style.visibility</p:attrName>
@@ -13698,41 +14359,45 @@
                                       <p:cBhvr>
                                         <p:cTn id="30" dur="500"/>
                                         <p:tgtEl>
-                                          <p:spTgt spid="13"/>
+                                          <p:spTgt spid="14"/>
                                         </p:tgtEl>
                                       </p:cBhvr>
                                     </p:animEffect>
                                   </p:childTnLst>
                                 </p:cTn>
                               </p:par>
-                            </p:childTnLst>
-                          </p:cTn>
-                        </p:par>
-                        <p:par>
-                          <p:cTn id="31" fill="hold">
-                            <p:stCondLst>
-                              <p:cond delay="2500"/>
-                            </p:stCondLst>
-                            <p:childTnLst>
                               <p:par>
-                                <p:cTn id="32" presetID="42" presetClass="path" presetSubtype="0" accel="50000" decel="50000" fill="hold" grpId="1" nodeType="afterEffect">
+                                <p:cTn id="31" presetID="10" presetClass="entr" presetSubtype="0" fill="hold" nodeType="withEffect">
                                   <p:stCondLst>
                                     <p:cond delay="0"/>
                                   </p:stCondLst>
                                   <p:childTnLst>
-                                    <p:animMotion origin="layout" path="M 6.25E-7 -4.44444E-6 L -0.10534 -4.07407E-6 " pathEditMode="relative" rAng="0" ptsTypes="AA">
+                                    <p:set>
                                       <p:cBhvr>
-                                        <p:cTn id="33" dur="2000" fill="hold"/>
-                                        <p:tgtEl>
-                                          <p:spTgt spid="39"/>
+                                        <p:cTn id="32" dur="1" fill="hold">
+                                          <p:stCondLst>
+                                            <p:cond delay="0"/>
+                                          </p:stCondLst>
+                                        </p:cTn>
+                                        <p:tgtEl>
+                                          <p:spTgt spid="13"/>
                                         </p:tgtEl>
                                         <p:attrNameLst>
-                                          <p:attrName>ppt_x</p:attrName>
-                                          <p:attrName>ppt_y</p:attrName>
+                                          <p:attrName>style.visibility</p:attrName>
                                         </p:attrNameLst>
                                       </p:cBhvr>
-                                      <p:rCtr x="-5195" y="231"/>
-                                    </p:animMotion>
+                                      <p:to>
+                                        <p:strVal val="visible"/>
+                                      </p:to>
+                                    </p:set>
+                                    <p:animEffect transition="in" filter="fade">
+                                      <p:cBhvr>
+                                        <p:cTn id="33" dur="500"/>
+                                        <p:tgtEl>
+                                          <p:spTgt spid="13"/>
+                                        </p:tgtEl>
+                                      </p:cBhvr>
+                                    </p:animEffect>
                                   </p:childTnLst>
                                 </p:cTn>
                               </p:par>
@@ -13742,27 +14407,27 @@
                         <p:par>
                           <p:cTn id="34" fill="hold">
                             <p:stCondLst>
-                              <p:cond delay="4500"/>
+                              <p:cond delay="2500"/>
                             </p:stCondLst>
                             <p:childTnLst>
                               <p:par>
-                                <p:cTn id="35" presetID="42" presetClass="path" presetSubtype="0" accel="50000" decel="50000" fill="hold" grpId="0" nodeType="afterEffect">
+                                <p:cTn id="35" presetID="42" presetClass="path" presetSubtype="0" accel="50000" decel="50000" fill="hold" grpId="1" nodeType="afterEffect">
                                   <p:stCondLst>
                                     <p:cond delay="0"/>
                                   </p:stCondLst>
                                   <p:childTnLst>
-                                    <p:animMotion origin="layout" path="M -8.33333E-7 -4.44444E-6 L 0.10261 0.00093 " pathEditMode="relative" rAng="0" ptsTypes="AA">
+                                    <p:animMotion origin="layout" path="M 6.25E-7 -4.44444E-6 L -0.10534 -4.07407E-6 " pathEditMode="relative" rAng="0" ptsTypes="AA">
                                       <p:cBhvr>
                                         <p:cTn id="36" dur="2000" fill="hold"/>
                                         <p:tgtEl>
-                                          <p:spTgt spid="37"/>
+                                          <p:spTgt spid="39"/>
                                         </p:tgtEl>
                                         <p:attrNameLst>
                                           <p:attrName>ppt_x</p:attrName>
                                           <p:attrName>ppt_y</p:attrName>
                                         </p:attrNameLst>
                                       </p:cBhvr>
-                                      <p:rCtr x="5130" y="46"/>
+                                      <p:rCtr x="-5195" y="231"/>
                                     </p:animMotion>
                                   </p:childTnLst>
                                 </p:cTn>
@@ -13773,18 +14438,49 @@
                         <p:par>
                           <p:cTn id="37" fill="hold">
                             <p:stCondLst>
+                              <p:cond delay="4500"/>
+                            </p:stCondLst>
+                            <p:childTnLst>
+                              <p:par>
+                                <p:cTn id="38" presetID="42" presetClass="path" presetSubtype="0" accel="50000" decel="50000" fill="hold" grpId="0" nodeType="afterEffect">
+                                  <p:stCondLst>
+                                    <p:cond delay="0"/>
+                                  </p:stCondLst>
+                                  <p:childTnLst>
+                                    <p:animMotion origin="layout" path="M -8.33333E-7 -4.44444E-6 L 0.10261 0.00093 " pathEditMode="relative" rAng="0" ptsTypes="AA">
+                                      <p:cBhvr>
+                                        <p:cTn id="39" dur="2000" fill="hold"/>
+                                        <p:tgtEl>
+                                          <p:spTgt spid="37"/>
+                                        </p:tgtEl>
+                                        <p:attrNameLst>
+                                          <p:attrName>ppt_x</p:attrName>
+                                          <p:attrName>ppt_y</p:attrName>
+                                        </p:attrNameLst>
+                                      </p:cBhvr>
+                                      <p:rCtr x="5130" y="46"/>
+                                    </p:animMotion>
+                                  </p:childTnLst>
+                                </p:cTn>
+                              </p:par>
+                            </p:childTnLst>
+                          </p:cTn>
+                        </p:par>
+                        <p:par>
+                          <p:cTn id="40" fill="hold">
+                            <p:stCondLst>
                               <p:cond delay="6500"/>
                             </p:stCondLst>
                             <p:childTnLst>
                               <p:par>
-                                <p:cTn id="38" presetID="1" presetClass="exit" presetSubtype="0" fill="hold" nodeType="afterEffect">
+                                <p:cTn id="41" presetID="1" presetClass="exit" presetSubtype="0" fill="hold" nodeType="afterEffect">
                                   <p:stCondLst>
                                     <p:cond delay="0"/>
                                   </p:stCondLst>
                                   <p:childTnLst>
                                     <p:set>
                                       <p:cBhvr>
-                                        <p:cTn id="39" dur="1" fill="hold">
+                                        <p:cTn id="42" dur="1" fill="hold">
                                           <p:stCondLst>
                                             <p:cond delay="0"/>
                                           </p:stCondLst>
@@ -13804,14 +14500,14 @@
                                 </p:cTn>
                               </p:par>
                               <p:par>
-                                <p:cTn id="40" presetID="1" presetClass="entr" presetSubtype="0" fill="hold" grpId="0" nodeType="withEffect">
+                                <p:cTn id="43" presetID="1" presetClass="entr" presetSubtype="0" fill="hold" grpId="0" nodeType="withEffect">
                                   <p:stCondLst>
                                     <p:cond delay="0"/>
                                   </p:stCondLst>
                                   <p:childTnLst>
                                     <p:set>
                                       <p:cBhvr>
-                                        <p:cTn id="41" dur="1" fill="hold">
+                                        <p:cTn id="44" dur="1" fill="hold">
                                           <p:stCondLst>
                                             <p:cond delay="0"/>
                                           </p:stCondLst>
@@ -13834,48 +14530,13 @@
                           </p:cTn>
                         </p:par>
                         <p:par>
-                          <p:cTn id="42" fill="hold">
+                          <p:cTn id="45" fill="hold">
                             <p:stCondLst>
                               <p:cond delay="6500"/>
                             </p:stCondLst>
                             <p:childTnLst>
                               <p:par>
-                                <p:cTn id="43" presetID="10" presetClass="entr" presetSubtype="0" fill="hold" grpId="0" nodeType="afterEffect">
-                                  <p:stCondLst>
-                                    <p:cond delay="0"/>
-                                  </p:stCondLst>
-                                  <p:childTnLst>
-                                    <p:set>
-                                      <p:cBhvr>
-                                        <p:cTn id="44" dur="1" fill="hold">
-                                          <p:stCondLst>
-                                            <p:cond delay="0"/>
-                                          </p:stCondLst>
-                                        </p:cTn>
-                                        <p:tgtEl>
-                                          <p:spTgt spid="3"/>
-                                        </p:tgtEl>
-                                        <p:attrNameLst>
-                                          <p:attrName>style.visibility</p:attrName>
-                                        </p:attrNameLst>
-                                      </p:cBhvr>
-                                      <p:to>
-                                        <p:strVal val="visible"/>
-                                      </p:to>
-                                    </p:set>
-                                    <p:animEffect transition="in" filter="fade">
-                                      <p:cBhvr>
-                                        <p:cTn id="45" dur="500"/>
-                                        <p:tgtEl>
-                                          <p:spTgt spid="3"/>
-                                        </p:tgtEl>
-                                      </p:cBhvr>
-                                    </p:animEffect>
-                                  </p:childTnLst>
-                                </p:cTn>
-                              </p:par>
-                              <p:par>
-                                <p:cTn id="46" presetID="10" presetClass="entr" presetSubtype="0" fill="hold" grpId="0" nodeType="withEffect">
+                                <p:cTn id="46" presetID="10" presetClass="entr" presetSubtype="0" fill="hold" grpId="0" nodeType="afterEffect">
                                   <p:stCondLst>
                                     <p:cond delay="0"/>
                                   </p:stCondLst>
@@ -13888,7 +14549,7 @@
                                           </p:stCondLst>
                                         </p:cTn>
                                         <p:tgtEl>
-                                          <p:spTgt spid="7"/>
+                                          <p:spTgt spid="3"/>
                                         </p:tgtEl>
                                         <p:attrNameLst>
                                           <p:attrName>style.visibility</p:attrName>
@@ -13902,7 +14563,7 @@
                                       <p:cBhvr>
                                         <p:cTn id="48" dur="500"/>
                                         <p:tgtEl>
-                                          <p:spTgt spid="7"/>
+                                          <p:spTgt spid="3"/>
                                         </p:tgtEl>
                                       </p:cBhvr>
                                     </p:animEffect>
@@ -13910,14 +14571,49 @@
                                 </p:cTn>
                               </p:par>
                               <p:par>
-                                <p:cTn id="49" presetID="6" presetClass="emph" presetSubtype="0" repeatCount="indefinite" autoRev="1" fill="hold" grpId="1" nodeType="withEffect">
+                                <p:cTn id="49" presetID="10" presetClass="entr" presetSubtype="0" fill="hold" grpId="0" nodeType="withEffect">
+                                  <p:stCondLst>
+                                    <p:cond delay="0"/>
+                                  </p:stCondLst>
+                                  <p:childTnLst>
+                                    <p:set>
+                                      <p:cBhvr>
+                                        <p:cTn id="50" dur="1" fill="hold">
+                                          <p:stCondLst>
+                                            <p:cond delay="0"/>
+                                          </p:stCondLst>
+                                        </p:cTn>
+                                        <p:tgtEl>
+                                          <p:spTgt spid="7"/>
+                                        </p:tgtEl>
+                                        <p:attrNameLst>
+                                          <p:attrName>style.visibility</p:attrName>
+                                        </p:attrNameLst>
+                                      </p:cBhvr>
+                                      <p:to>
+                                        <p:strVal val="visible"/>
+                                      </p:to>
+                                    </p:set>
+                                    <p:animEffect transition="in" filter="fade">
+                                      <p:cBhvr>
+                                        <p:cTn id="51" dur="500"/>
+                                        <p:tgtEl>
+                                          <p:spTgt spid="7"/>
+                                        </p:tgtEl>
+                                      </p:cBhvr>
+                                    </p:animEffect>
+                                  </p:childTnLst>
+                                </p:cTn>
+                              </p:par>
+                              <p:par>
+                                <p:cTn id="52" presetID="6" presetClass="emph" presetSubtype="0" repeatCount="indefinite" autoRev="1" fill="hold" grpId="1" nodeType="withEffect">
                                   <p:stCondLst>
                                     <p:cond delay="0"/>
                                   </p:stCondLst>
                                   <p:childTnLst>
                                     <p:animScale>
                                       <p:cBhvr>
-                                        <p:cTn id="50" dur="3000" fill="hold"/>
+                                        <p:cTn id="53" dur="3000" fill="hold"/>
                                         <p:tgtEl>
                                           <p:spTgt spid="40"/>
                                         </p:tgtEl>
@@ -13965,271 +14661,6 @@
       <p:bldP spid="40" grpId="0" animBg="1"/>
       <p:bldP spid="40" grpId="1" animBg="1"/>
     </p:bldLst>
-  </p:timing>
-</p:sld>
-</file>
-
-<file path=ppt/slides/slide9.xml><?xml version="1.0" encoding="utf-8"?>
-<p:sld xmlns:a="http://schemas.openxmlformats.org/drawingml/2006/main" xmlns:r="http://schemas.openxmlformats.org/officeDocument/2006/relationships" xmlns:p="http://schemas.openxmlformats.org/presentationml/2006/main">
-  <p:cSld>
-    <p:spTree>
-      <p:nvGrpSpPr>
-        <p:cNvPr id="1" name=""/>
-        <p:cNvGrpSpPr/>
-        <p:nvPr/>
-      </p:nvGrpSpPr>
-      <p:grpSpPr>
-        <a:xfrm>
-          <a:off x="0" y="0"/>
-          <a:ext cx="0" cy="0"/>
-          <a:chOff x="0" y="0"/>
-          <a:chExt cx="0" cy="0"/>
-        </a:xfrm>
-      </p:grpSpPr>
-      <p:sp>
-        <p:nvSpPr>
-          <p:cNvPr id="19" name="Background">
-            <a:extLst>
-              <a:ext uri="{FF2B5EF4-FFF2-40B4-BE49-F238E27FC236}">
-                <a16:creationId xmlns:a16="http://schemas.microsoft.com/office/drawing/2014/main" id="{C4C47308-3366-47AD-95E9-BB384244FEE9}"/>
-              </a:ext>
-            </a:extLst>
-          </p:cNvPr>
-          <p:cNvSpPr/>
-          <p:nvPr/>
-        </p:nvSpPr>
-        <p:spPr>
-          <a:xfrm>
-            <a:off x="-590550" y="0"/>
-            <a:ext cx="13220700" cy="6858000"/>
-          </a:xfrm>
-          <a:prstGeom prst="rect">
-            <a:avLst/>
-          </a:prstGeom>
-          <a:solidFill>
-            <a:srgbClr val="5475B9"/>
-          </a:solidFill>
-          <a:ln>
-            <a:solidFill>
-              <a:srgbClr val="5475B9"/>
-            </a:solidFill>
-          </a:ln>
-        </p:spPr>
-        <p:style>
-          <a:lnRef idx="2">
-            <a:schemeClr val="accent1">
-              <a:shade val="50000"/>
-            </a:schemeClr>
-          </a:lnRef>
-          <a:fillRef idx="1">
-            <a:schemeClr val="accent1"/>
-          </a:fillRef>
-          <a:effectRef idx="0">
-            <a:schemeClr val="accent1"/>
-          </a:effectRef>
-          <a:fontRef idx="minor">
-            <a:schemeClr val="lt1"/>
-          </a:fontRef>
-        </p:style>
-        <p:txBody>
-          <a:bodyPr rtlCol="0" anchor="ctr"/>
-          <a:lstStyle/>
-          <a:p>
-            <a:pPr algn="ctr"/>
-            <a:endParaRPr lang="pt-PT"/>
-          </a:p>
-        </p:txBody>
-      </p:sp>
-      <p:pic>
-        <p:nvPicPr>
-          <p:cNvPr id="3" name="Pencil">
-            <a:extLst>
-              <a:ext uri="{FF2B5EF4-FFF2-40B4-BE49-F238E27FC236}">
-                <a16:creationId xmlns:a16="http://schemas.microsoft.com/office/drawing/2014/main" id="{A4F1A4CF-5ACD-48E9-9FE1-77A08DFCB1A9}"/>
-              </a:ext>
-            </a:extLst>
-          </p:cNvPr>
-          <p:cNvPicPr>
-            <a:picLocks noChangeAspect="1"/>
-          </p:cNvPicPr>
-          <p:nvPr/>
-        </p:nvPicPr>
-        <p:blipFill rotWithShape="1">
-          <a:blip r:embed="rId2">
-            <a:extLst>
-              <a:ext uri="{28A0092B-C50C-407E-A947-70E740481C1C}">
-                <a14:useLocalDpi xmlns:a14="http://schemas.microsoft.com/office/drawing/2010/main" val="0"/>
-              </a:ext>
-              <a:ext uri="{96DAC541-7B7A-43D3-8B79-37D633B846F1}">
-                <asvg:svgBlip xmlns:asvg="http://schemas.microsoft.com/office/drawing/2016/SVG/main" r:embed="rId3"/>
-              </a:ext>
-            </a:extLst>
-          </a:blip>
-          <a:srcRect l="46409" t="8467" r="46558" b="43068"/>
-          <a:stretch/>
-        </p:blipFill>
-        <p:spPr>
-          <a:xfrm rot="18277755">
-            <a:off x="5347933" y="468759"/>
-            <a:ext cx="1343733" cy="6547122"/>
-          </a:xfrm>
-          <a:prstGeom prst="rect">
-            <a:avLst/>
-          </a:prstGeom>
-          <a:effectLst>
-            <a:outerShdw blurRad="63500" sx="102000" sy="102000" algn="ctr" rotWithShape="0">
-              <a:prstClr val="black">
-                <a:alpha val="40000"/>
-              </a:prstClr>
-            </a:outerShdw>
-          </a:effectLst>
-        </p:spPr>
-      </p:pic>
-    </p:spTree>
-    <p:extLst>
-      <p:ext uri="{BB962C8B-B14F-4D97-AF65-F5344CB8AC3E}">
-        <p14:creationId xmlns:p14="http://schemas.microsoft.com/office/powerpoint/2010/main" val="3957241007"/>
-      </p:ext>
-    </p:extLst>
-  </p:cSld>
-  <p:clrMapOvr>
-    <a:masterClrMapping/>
-  </p:clrMapOvr>
-  <mc:AlternateContent xmlns:mc="http://schemas.openxmlformats.org/markup-compatibility/2006" xmlns:p15="http://schemas.microsoft.com/office/powerpoint/2012/main">
-    <mc:Choice Requires="p15">
-      <p:transition xmlns:p14="http://schemas.microsoft.com/office/powerpoint/2010/main" spd="slow" p14:dur="1250">
-        <p15:prstTrans prst="peelOff"/>
-      </p:transition>
-    </mc:Choice>
-    <mc:Fallback xmlns="">
-      <p:transition spd="slow">
-        <p:fade/>
-      </p:transition>
-    </mc:Fallback>
-  </mc:AlternateContent>
-  <p:timing>
-    <p:tnLst>
-      <p:par>
-        <p:cTn id="1" dur="indefinite" restart="never" nodeType="tmRoot">
-          <p:childTnLst>
-            <p:seq concurrent="1" nextAc="seek">
-              <p:cTn id="2" dur="indefinite" nodeType="mainSeq">
-                <p:childTnLst>
-                  <p:par>
-                    <p:cTn id="3" fill="hold">
-                      <p:stCondLst>
-                        <p:cond delay="indefinite"/>
-                        <p:cond evt="onBegin" delay="0">
-                          <p:tn val="2"/>
-                        </p:cond>
-                      </p:stCondLst>
-                      <p:childTnLst>
-                        <p:par>
-                          <p:cTn id="4" fill="hold">
-                            <p:stCondLst>
-                              <p:cond delay="0"/>
-                            </p:stCondLst>
-                            <p:childTnLst>
-                              <p:par>
-                                <p:cTn id="5" presetID="2" presetClass="entr" presetSubtype="4" fill="hold" nodeType="withEffect">
-                                  <p:stCondLst>
-                                    <p:cond delay="0"/>
-                                  </p:stCondLst>
-                                  <p:childTnLst>
-                                    <p:set>
-                                      <p:cBhvr>
-                                        <p:cTn id="6" dur="1" fill="hold">
-                                          <p:stCondLst>
-                                            <p:cond delay="0"/>
-                                          </p:stCondLst>
-                                        </p:cTn>
-                                        <p:tgtEl>
-                                          <p:spTgt spid="3"/>
-                                        </p:tgtEl>
-                                        <p:attrNameLst>
-                                          <p:attrName>style.visibility</p:attrName>
-                                        </p:attrNameLst>
-                                      </p:cBhvr>
-                                      <p:to>
-                                        <p:strVal val="visible"/>
-                                      </p:to>
-                                    </p:set>
-                                    <p:anim calcmode="lin" valueType="num">
-                                      <p:cBhvr additive="base">
-                                        <p:cTn id="7" dur="500" fill="hold"/>
-                                        <p:tgtEl>
-                                          <p:spTgt spid="3"/>
-                                        </p:tgtEl>
-                                        <p:attrNameLst>
-                                          <p:attrName>ppt_x</p:attrName>
-                                        </p:attrNameLst>
-                                      </p:cBhvr>
-                                      <p:tavLst>
-                                        <p:tav tm="0">
-                                          <p:val>
-                                            <p:strVal val="#ppt_x"/>
-                                          </p:val>
-                                        </p:tav>
-                                        <p:tav tm="100000">
-                                          <p:val>
-                                            <p:strVal val="#ppt_x"/>
-                                          </p:val>
-                                        </p:tav>
-                                      </p:tavLst>
-                                    </p:anim>
-                                    <p:anim calcmode="lin" valueType="num">
-                                      <p:cBhvr additive="base">
-                                        <p:cTn id="8" dur="500" fill="hold"/>
-                                        <p:tgtEl>
-                                          <p:spTgt spid="3"/>
-                                        </p:tgtEl>
-                                        <p:attrNameLst>
-                                          <p:attrName>ppt_y</p:attrName>
-                                        </p:attrNameLst>
-                                      </p:cBhvr>
-                                      <p:tavLst>
-                                        <p:tav tm="0">
-                                          <p:val>
-                                            <p:strVal val="1+#ppt_h/2"/>
-                                          </p:val>
-                                        </p:tav>
-                                        <p:tav tm="100000">
-                                          <p:val>
-                                            <p:strVal val="#ppt_y"/>
-                                          </p:val>
-                                        </p:tav>
-                                      </p:tavLst>
-                                    </p:anim>
-                                  </p:childTnLst>
-                                </p:cTn>
-                              </p:par>
-                            </p:childTnLst>
-                          </p:cTn>
-                        </p:par>
-                      </p:childTnLst>
-                    </p:cTn>
-                  </p:par>
-                </p:childTnLst>
-              </p:cTn>
-              <p:prevCondLst>
-                <p:cond evt="onPrev" delay="0">
-                  <p:tgtEl>
-                    <p:sldTgt/>
-                  </p:tgtEl>
-                </p:cond>
-              </p:prevCondLst>
-              <p:nextCondLst>
-                <p:cond evt="onNext" delay="0">
-                  <p:tgtEl>
-                    <p:sldTgt/>
-                  </p:tgtEl>
-                </p:cond>
-              </p:nextCondLst>
-            </p:seq>
-          </p:childTnLst>
-        </p:cTn>
-      </p:par>
-    </p:tnLst>
   </p:timing>
 </p:sld>
 </file>

--- a/Presentations/Values.pptx
+++ b/Presentations/Values.pptx
@@ -211,7 +211,7 @@
           <a:p>
             <a:fld id="{BE922CAB-3410-47F5-A79E-CF5894AF3626}" type="datetimeFigureOut">
               <a:rPr lang="pt-PT" smtClean="0"/>
-              <a:t>30/07/2020</a:t>
+              <a:t>03/08/2020</a:t>
             </a:fld>
             <a:endParaRPr lang="pt-PT"/>
           </a:p>
@@ -628,7 +628,7 @@
           <a:p>
             <a:fld id="{A18E2B5E-2BAC-408C-9D01-DD90C7E8DCBE}" type="datetimeFigureOut">
               <a:rPr lang="pt-PT" smtClean="0"/>
-              <a:t>30/07/2020</a:t>
+              <a:t>03/08/2020</a:t>
             </a:fld>
             <a:endParaRPr lang="pt-PT"/>
           </a:p>
@@ -840,7 +840,7 @@
           <a:p>
             <a:fld id="{A18E2B5E-2BAC-408C-9D01-DD90C7E8DCBE}" type="datetimeFigureOut">
               <a:rPr lang="pt-PT" smtClean="0"/>
-              <a:t>30/07/2020</a:t>
+              <a:t>03/08/2020</a:t>
             </a:fld>
             <a:endParaRPr lang="pt-PT"/>
           </a:p>
@@ -1062,7 +1062,7 @@
           <a:p>
             <a:fld id="{A18E2B5E-2BAC-408C-9D01-DD90C7E8DCBE}" type="datetimeFigureOut">
               <a:rPr lang="pt-PT" smtClean="0"/>
-              <a:t>30/07/2020</a:t>
+              <a:t>03/08/2020</a:t>
             </a:fld>
             <a:endParaRPr lang="pt-PT"/>
           </a:p>
@@ -1274,7 +1274,7 @@
           <a:p>
             <a:fld id="{A18E2B5E-2BAC-408C-9D01-DD90C7E8DCBE}" type="datetimeFigureOut">
               <a:rPr lang="pt-PT" smtClean="0"/>
-              <a:t>30/07/2020</a:t>
+              <a:t>03/08/2020</a:t>
             </a:fld>
             <a:endParaRPr lang="pt-PT"/>
           </a:p>
@@ -1562,7 +1562,7 @@
           <a:p>
             <a:fld id="{A18E2B5E-2BAC-408C-9D01-DD90C7E8DCBE}" type="datetimeFigureOut">
               <a:rPr lang="pt-PT" smtClean="0"/>
-              <a:t>30/07/2020</a:t>
+              <a:t>03/08/2020</a:t>
             </a:fld>
             <a:endParaRPr lang="pt-PT"/>
           </a:p>
@@ -1842,7 +1842,7 @@
           <a:p>
             <a:fld id="{A18E2B5E-2BAC-408C-9D01-DD90C7E8DCBE}" type="datetimeFigureOut">
               <a:rPr lang="pt-PT" smtClean="0"/>
-              <a:t>30/07/2020</a:t>
+              <a:t>03/08/2020</a:t>
             </a:fld>
             <a:endParaRPr lang="pt-PT"/>
           </a:p>
@@ -2269,7 +2269,7 @@
           <a:p>
             <a:fld id="{A18E2B5E-2BAC-408C-9D01-DD90C7E8DCBE}" type="datetimeFigureOut">
               <a:rPr lang="pt-PT" smtClean="0"/>
-              <a:t>30/07/2020</a:t>
+              <a:t>03/08/2020</a:t>
             </a:fld>
             <a:endParaRPr lang="pt-PT"/>
           </a:p>
@@ -2423,7 +2423,7 @@
           <a:p>
             <a:fld id="{A18E2B5E-2BAC-408C-9D01-DD90C7E8DCBE}" type="datetimeFigureOut">
               <a:rPr lang="pt-PT" smtClean="0"/>
-              <a:t>30/07/2020</a:t>
+              <a:t>03/08/2020</a:t>
             </a:fld>
             <a:endParaRPr lang="pt-PT"/>
           </a:p>
@@ -2548,7 +2548,7 @@
           <a:p>
             <a:fld id="{A18E2B5E-2BAC-408C-9D01-DD90C7E8DCBE}" type="datetimeFigureOut">
               <a:rPr lang="pt-PT" smtClean="0"/>
-              <a:t>30/07/2020</a:t>
+              <a:t>03/08/2020</a:t>
             </a:fld>
             <a:endParaRPr lang="pt-PT"/>
           </a:p>
@@ -2873,7 +2873,7 @@
           <a:p>
             <a:fld id="{A18E2B5E-2BAC-408C-9D01-DD90C7E8DCBE}" type="datetimeFigureOut">
               <a:rPr lang="pt-PT" smtClean="0"/>
-              <a:t>30/07/2020</a:t>
+              <a:t>03/08/2020</a:t>
             </a:fld>
             <a:endParaRPr lang="pt-PT"/>
           </a:p>
@@ -3174,7 +3174,7 @@
           <a:p>
             <a:fld id="{A18E2B5E-2BAC-408C-9D01-DD90C7E8DCBE}" type="datetimeFigureOut">
               <a:rPr lang="pt-PT" smtClean="0"/>
-              <a:t>30/07/2020</a:t>
+              <a:t>03/08/2020</a:t>
             </a:fld>
             <a:endParaRPr lang="pt-PT"/>
           </a:p>
@@ -3429,7 +3429,7 @@
           <a:p>
             <a:fld id="{A18E2B5E-2BAC-408C-9D01-DD90C7E8DCBE}" type="datetimeFigureOut">
               <a:rPr lang="pt-PT" smtClean="0"/>
-              <a:t>30/07/2020</a:t>
+              <a:t>03/08/2020</a:t>
             </a:fld>
             <a:endParaRPr lang="pt-PT"/>
           </a:p>
@@ -8076,7 +8076,7 @@
         </p:blipFill>
         <p:spPr>
           <a:xfrm>
-            <a:off x="-965200" y="0"/>
+            <a:off x="-1033566" y="0"/>
             <a:ext cx="14897099" cy="6858000"/>
           </a:xfrm>
           <a:prstGeom prst="rect">
